--- a/slides/2.0/Angular 2.0 Slides Day 1.pptx
+++ b/slides/2.0/Angular 2.0 Slides Day 1.pptx
@@ -45,6 +45,7 @@
     <p:sldId id="290" r:id="rId42"/>
     <p:sldId id="291" r:id="rId43"/>
     <p:sldId id="292" r:id="rId44"/>
+    <p:sldId id="293" r:id="rId45"/>
   </p:sldIdLst>
   <p:sldSz cx="13004800" cy="9753600"/>
   <p:notesSz cx="6858000" cy="9144000"/>
@@ -4454,7 +4455,7 @@
           <a:p>
             <a:pPr/>
             <a:r>
-              <a:t>Components</a:t>
+              <a:t>Composability</a:t>
             </a:r>
           </a:p>
         </p:txBody>
@@ -6039,31 +6040,31 @@
               <a:buNone/>
             </a:pPr>
             <a:r>
-              <a:t>JavaScript ecosystem</a:t>
-            </a:r>
-          </a:p>
-          <a:p>
-            <a:pPr/>
-            <a:r>
-              <a:t>Standardized as ECMAScript (ES)</a:t>
-            </a:r>
-          </a:p>
-          <a:p>
-            <a:pPr/>
-            <a:r>
-              <a:t>European Computer Mftrs. Assn.</a:t>
-            </a:r>
-          </a:p>
-          <a:p>
-            <a:pPr/>
-            <a:r>
-              <a:t>Working Group produces specifications</a:t>
-            </a:r>
-          </a:p>
-          <a:p>
-            <a:pPr/>
-            <a:r>
-              <a:t>Browser mftrs. then implement spec</a:t>
+              <a:t>Why TypeScript?</a:t>
+            </a:r>
+          </a:p>
+          <a:p>
+            <a:pPr/>
+            <a:r>
+              <a:t>IDE Benefit</a:t>
+            </a:r>
+          </a:p>
+          <a:p>
+            <a:pPr lvl="1"/>
+            <a:r>
+              <a:t>Autocompletion</a:t>
+            </a:r>
+          </a:p>
+          <a:p>
+            <a:pPr lvl="1"/>
+            <a:r>
+              <a:t>Refactoring</a:t>
+            </a:r>
+          </a:p>
+          <a:p>
+            <a:pPr/>
+            <a:r>
+              <a:t>Testing / System Cohesiveness</a:t>
             </a:r>
           </a:p>
         </p:txBody>
@@ -6146,19 +6147,25 @@
           <a:p>
             <a:pPr/>
             <a:r>
-              <a:t>Implementation of spec varies by browser</a:t>
-            </a:r>
-          </a:p>
-          <a:p>
-            <a:pPr/>
-            <a:r>
-              <a:t>Many browsers support some, but not all ES6</a:t>
-            </a:r>
-          </a:p>
-          <a:p>
-            <a:pPr/>
-            <a:r>
-              <a:t>This is where "transpilation" comes in</a:t>
+              <a:t>Standardized as ECMAScript (ES)</a:t>
+            </a:r>
+          </a:p>
+          <a:p>
+            <a:pPr/>
+            <a:r>
+              <a:t>European Computer Mftrs. Assn.</a:t>
+            </a:r>
+          </a:p>
+          <a:p>
+            <a:pPr/>
+            <a:r>
+              <a:t>Working Group produces specifications</a:t>
+            </a:r>
+          </a:p>
+          <a:p>
+            <a:pPr/>
+            <a:r>
+              <a:t>Browser mftrs. then implement spec</a:t>
             </a:r>
           </a:p>
         </p:txBody>
@@ -6235,37 +6242,25 @@
               <a:buNone/>
             </a:pPr>
             <a:r>
-              <a:t>Transpiler</a:t>
-            </a:r>
-          </a:p>
-          <a:p>
-            <a:pPr/>
-            <a:r>
-              <a:t>A build-time tool</a:t>
-            </a:r>
-          </a:p>
-          <a:p>
-            <a:pPr/>
-            <a:r>
-              <a:t>Converts unsupported features to plain JS</a:t>
-            </a:r>
-          </a:p>
-          <a:p>
-            <a:pPr/>
-            <a:r>
-              <a:t>Creates helper function libraries </a:t>
-            </a:r>
-          </a:p>
-          <a:p>
-            <a:pPr/>
-            <a:r>
-              <a:t>Outputs rewritten code to use helpers</a:t>
-            </a:r>
-          </a:p>
-          <a:p>
-            <a:pPr/>
-            <a:r>
-              <a:t>Ex: Babel, Traceur, Closure, MS TS compiler</a:t>
+              <a:t>JavaScript ecosystem</a:t>
+            </a:r>
+          </a:p>
+          <a:p>
+            <a:pPr/>
+            <a:r>
+              <a:t>Implementation of spec varies by browser</a:t>
+            </a:r>
+          </a:p>
+          <a:p>
+            <a:pPr/>
+            <a:r>
+              <a:t>Many browsers support some, but not all ES6</a:t>
+            </a:r>
+          </a:p>
+          <a:p>
+            <a:pPr/>
+            <a:r>
+              <a:t>This is where "transpilation" comes in</a:t>
             </a:r>
           </a:p>
         </p:txBody>
@@ -6342,31 +6337,37 @@
               <a:buNone/>
             </a:pPr>
             <a:r>
-              <a:t>JS Versions: ES3 (1999)</a:t>
-            </a:r>
-          </a:p>
-          <a:p>
-            <a:pPr/>
-            <a:r>
-              <a:t>“Vanilla” JavaScript (in terms of syntax)</a:t>
-            </a:r>
-          </a:p>
-          <a:p>
-            <a:pPr/>
-            <a:r>
-              <a:t>All basic language features existed</a:t>
-            </a:r>
-          </a:p>
-          <a:p>
-            <a:pPr/>
-            <a:r>
-              <a:t>Historically, ES3 implementation varied</a:t>
-            </a:r>
-          </a:p>
-          <a:p>
-            <a:pPr/>
-            <a:r>
-              <a:t>IE &lt;6 and Netscape were quite different</a:t>
+              <a:t>Transpiler</a:t>
+            </a:r>
+          </a:p>
+          <a:p>
+            <a:pPr/>
+            <a:r>
+              <a:t>A build-time tool</a:t>
+            </a:r>
+          </a:p>
+          <a:p>
+            <a:pPr/>
+            <a:r>
+              <a:t>Converts unsupported features to plain JS</a:t>
+            </a:r>
+          </a:p>
+          <a:p>
+            <a:pPr/>
+            <a:r>
+              <a:t>Creates helper function libraries </a:t>
+            </a:r>
+          </a:p>
+          <a:p>
+            <a:pPr/>
+            <a:r>
+              <a:t>Outputs rewritten code to use helpers</a:t>
+            </a:r>
+          </a:p>
+          <a:p>
+            <a:pPr/>
+            <a:r>
+              <a:t>Ex: Babel, Traceur, Closure, MS TS compiler</a:t>
             </a:r>
           </a:p>
         </p:txBody>
@@ -6443,31 +6444,31 @@
               <a:buNone/>
             </a:pPr>
             <a:r>
-              <a:t>JS Versions: ES4 era (~2003-9)</a:t>
-            </a:r>
-          </a:p>
-          <a:p>
-            <a:pPr/>
-            <a:r>
-              <a:t>Historical footnote - version abandoned</a:t>
-            </a:r>
-          </a:p>
-          <a:p>
-            <a:pPr/>
-            <a:r>
-              <a:t>Working group could not reach consensus</a:t>
-            </a:r>
-          </a:p>
-          <a:p>
-            <a:pPr/>
-            <a:r>
-              <a:t>Spec skipped ahead to ES5</a:t>
-            </a:r>
-          </a:p>
-          <a:p>
-            <a:pPr/>
-            <a:r>
-              <a:t>Meanwhile, IE7 and other browsers aligned</a:t>
+              <a:t>JS Versions: ES3 (1999)</a:t>
+            </a:r>
+          </a:p>
+          <a:p>
+            <a:pPr/>
+            <a:r>
+              <a:t>“Vanilla” JavaScript (in terms of syntax)</a:t>
+            </a:r>
+          </a:p>
+          <a:p>
+            <a:pPr/>
+            <a:r>
+              <a:t>All basic language features existed</a:t>
+            </a:r>
+          </a:p>
+          <a:p>
+            <a:pPr/>
+            <a:r>
+              <a:t>Historically, ES3 implementation varied</a:t>
+            </a:r>
+          </a:p>
+          <a:p>
+            <a:pPr/>
+            <a:r>
+              <a:t>IE &lt;6 and Netscape were quite different</a:t>
             </a:r>
           </a:p>
         </p:txBody>
@@ -6544,31 +6545,31 @@
               <a:buNone/>
             </a:pPr>
             <a:r>
-              <a:t>JS Versions: ES5 (2009)</a:t>
-            </a:r>
-          </a:p>
-          <a:p>
-            <a:pPr/>
-            <a:r>
-              <a:t>ES3 + 'strict mode'</a:t>
-            </a:r>
-          </a:p>
-          <a:p>
-            <a:pPr/>
-            <a:r>
-              <a:t>Improvement / clarification on ES3</a:t>
-            </a:r>
-          </a:p>
-          <a:p>
-            <a:pPr/>
-            <a:r>
-              <a:t>All modern browsers (IE8+) support ES5</a:t>
-            </a:r>
-          </a:p>
-          <a:p>
-            <a:pPr/>
-            <a:r>
-              <a:t>Very little difference in implementation</a:t>
+              <a:t>JS Versions: ES4 era (~2003-9)</a:t>
+            </a:r>
+          </a:p>
+          <a:p>
+            <a:pPr/>
+            <a:r>
+              <a:t>Historical footnote - version abandoned</a:t>
+            </a:r>
+          </a:p>
+          <a:p>
+            <a:pPr/>
+            <a:r>
+              <a:t>Working group could not reach consensus</a:t>
+            </a:r>
+          </a:p>
+          <a:p>
+            <a:pPr/>
+            <a:r>
+              <a:t>Spec skipped ahead to ES5</a:t>
+            </a:r>
+          </a:p>
+          <a:p>
+            <a:pPr/>
+            <a:r>
+              <a:t>Meanwhile, IE7 and other browsers aligned</a:t>
             </a:r>
           </a:p>
         </p:txBody>
@@ -6743,37 +6744,31 @@
               <a:buNone/>
             </a:pPr>
             <a:r>
-              <a:t>JS Versions: ES6 (2015)</a:t>
-            </a:r>
-          </a:p>
-          <a:p>
-            <a:pPr/>
-            <a:r>
-              <a:t>Next generation standard</a:t>
-            </a:r>
-          </a:p>
-          <a:p>
-            <a:pPr/>
-            <a:r>
-              <a:t>Introduces many new features</a:t>
-            </a:r>
-          </a:p>
-          <a:p>
-            <a:pPr lvl="1"/>
-            <a:r>
-              <a:t>Modules, classes, import / export keywords</a:t>
-            </a:r>
-          </a:p>
-          <a:p>
-            <a:pPr lvl="1"/>
-            <a:r>
-              <a:t>Lexically-scoped "arrow" functions (sets 'this')</a:t>
-            </a:r>
-          </a:p>
-          <a:p>
-            <a:pPr lvl="1"/>
-            <a:r>
-              <a:t>Promises, iterators, generators, oh my</a:t>
+              <a:t>JS Versions: ES5 (2009)</a:t>
+            </a:r>
+          </a:p>
+          <a:p>
+            <a:pPr/>
+            <a:r>
+              <a:t>ES3 + 'strict mode'</a:t>
+            </a:r>
+          </a:p>
+          <a:p>
+            <a:pPr/>
+            <a:r>
+              <a:t>Improvement / clarification on ES3</a:t>
+            </a:r>
+          </a:p>
+          <a:p>
+            <a:pPr/>
+            <a:r>
+              <a:t>All modern browsers (IE8+) support ES5</a:t>
+            </a:r>
+          </a:p>
+          <a:p>
+            <a:pPr/>
+            <a:r>
+              <a:t>Very little difference in implementation</a:t>
             </a:r>
           </a:p>
         </p:txBody>
@@ -6856,25 +6851,31 @@
           <a:p>
             <a:pPr/>
             <a:r>
-              <a:t>Requires transpiration</a:t>
-            </a:r>
-          </a:p>
-          <a:p>
-            <a:pPr/>
-            <a:r>
-              <a:t>Modern browsers (IE10+) support 90-95%</a:t>
-            </a:r>
-          </a:p>
-          <a:p>
-            <a:pPr/>
-            <a:r>
-              <a:t>Unsupported features are not universal</a:t>
-            </a:r>
-          </a:p>
-          <a:p>
-            <a:pPr/>
-            <a:r>
-              <a:t>IE6-9 still have market share</a:t>
+              <a:t>Next generation standard</a:t>
+            </a:r>
+          </a:p>
+          <a:p>
+            <a:pPr/>
+            <a:r>
+              <a:t>Introduces many new features</a:t>
+            </a:r>
+          </a:p>
+          <a:p>
+            <a:pPr lvl="1"/>
+            <a:r>
+              <a:t>Modules, classes, import / export keywords</a:t>
+            </a:r>
+          </a:p>
+          <a:p>
+            <a:pPr lvl="1"/>
+            <a:r>
+              <a:t>Lexically-scoped "arrow" functions (sets 'this')</a:t>
+            </a:r>
+          </a:p>
+          <a:p>
+            <a:pPr lvl="1"/>
+            <a:r>
+              <a:t>Promises, iterators, generators, oh my</a:t>
             </a:r>
           </a:p>
         </p:txBody>
@@ -6951,37 +6952,31 @@
               <a:buNone/>
             </a:pPr>
             <a:r>
-              <a:t>JS Versions: ES6 alternate names</a:t>
-            </a:r>
-          </a:p>
-          <a:p>
-            <a:pPr/>
-            <a:r>
-              <a:t>ES Harmony (code name during spec process)</a:t>
-            </a:r>
-          </a:p>
-          <a:p>
-            <a:pPr/>
-            <a:r>
-              <a:t>ES2015 (date spec finalized) </a:t>
-            </a:r>
-          </a:p>
-          <a:p>
-            <a:pPr/>
-            <a:r>
-              <a:t>ES.Next</a:t>
-            </a:r>
-          </a:p>
-          <a:p>
-            <a:pPr lvl="1"/>
-            <a:r>
-              <a:t>referred to ES6 at time of writing</a:t>
-            </a:r>
-          </a:p>
-          <a:p>
-            <a:pPr lvl="1"/>
-            <a:r>
-              <a:t>Currently refers to ES2017</a:t>
+              <a:t>JS Versions: ES6 (2015)</a:t>
+            </a:r>
+          </a:p>
+          <a:p>
+            <a:pPr/>
+            <a:r>
+              <a:t>Requires transpiration</a:t>
+            </a:r>
+          </a:p>
+          <a:p>
+            <a:pPr/>
+            <a:r>
+              <a:t>Modern browsers (IE10+) support 90-95%</a:t>
+            </a:r>
+          </a:p>
+          <a:p>
+            <a:pPr/>
+            <a:r>
+              <a:t>Unsupported features are not universal</a:t>
+            </a:r>
+          </a:p>
+          <a:p>
+            <a:pPr/>
+            <a:r>
+              <a:t>IE6-9 still have market share</a:t>
             </a:r>
           </a:p>
         </p:txBody>
@@ -7058,37 +7053,37 @@
               <a:buNone/>
             </a:pPr>
             <a:r>
-              <a:t>JS Versions: ES2016</a:t>
-            </a:r>
-          </a:p>
-          <a:p>
-            <a:pPr/>
-            <a:r>
-              <a:t>Smaller update</a:t>
-            </a:r>
-          </a:p>
-          <a:p>
-            <a:pPr/>
-            <a:r>
-              <a:t>Introduces </a:t>
+              <a:t>JS Versions: ES6 alternate names</a:t>
+            </a:r>
+          </a:p>
+          <a:p>
+            <a:pPr/>
+            <a:r>
+              <a:t>ES Harmony (code name during spec process)</a:t>
+            </a:r>
+          </a:p>
+          <a:p>
+            <a:pPr/>
+            <a:r>
+              <a:t>ES2015 (date spec finalized) </a:t>
+            </a:r>
+          </a:p>
+          <a:p>
+            <a:pPr/>
+            <a:r>
+              <a:t>ES.Next</a:t>
             </a:r>
           </a:p>
           <a:p>
             <a:pPr lvl="1"/>
             <a:r>
-              <a:t>Decorators</a:t>
+              <a:t>referred to ES6 at time of writing</a:t>
             </a:r>
           </a:p>
           <a:p>
             <a:pPr lvl="1"/>
             <a:r>
-              <a:t>Exponentiation operator (**) </a:t>
-            </a:r>
-          </a:p>
-          <a:p>
-            <a:pPr lvl="1"/>
-            <a:r>
-              <a:t>Array.prototype.includes</a:t>
+              <a:t>Currently refers to ES2017</a:t>
             </a:r>
           </a:p>
         </p:txBody>
@@ -7165,62 +7160,38 @@
               <a:buNone/>
             </a:pPr>
             <a:r>
-              <a:t>TypeScript</a:t>
-            </a:r>
-          </a:p>
-          <a:p>
-            <a:pPr/>
-            <a:r>
-              <a:t>Uses transpilation</a:t>
-            </a:r>
-          </a:p>
-          <a:p>
-            <a:pPr/>
-            <a:r>
-              <a:t>Supports most ES6 features, some ES2016</a:t>
-            </a:r>
-          </a:p>
-          <a:p>
-            <a:pPr/>
-            <a:r>
-              <a:t>Adds static variable typing</a:t>
-            </a:r>
-          </a:p>
-          <a:p>
-            <a:pPr/>
-            <a:r>
-              <a:t>Create custom types through interfaces</a:t>
-            </a:r>
-          </a:p>
-        </p:txBody>
-      </p:sp>
-      <p:sp>
-        <p:nvSpPr>
-          <p:cNvPr id="283" name="Shape 283"/>
-          <p:cNvSpPr/>
-          <p:nvPr/>
-        </p:nvSpPr>
-        <p:spPr>
-          <a:xfrm>
-            <a:off x="1079500" y="381000"/>
-            <a:ext cx="11099800" cy="2159000"/>
-          </a:xfrm>
-          <a:prstGeom prst="rect">
-            <a:avLst/>
-          </a:prstGeom>
-          <a:ln w="12700">
-            <a:miter lim="400000"/>
-          </a:ln>
-        </p:spPr>
-        <p:txBody>
-          <a:bodyPr lIns="50800" tIns="50800" rIns="50800" bIns="50800" anchor="ctr">
-            <a:normAutofit fontScale="100000" lnSpcReduction="0"/>
-          </a:bodyPr>
-          <a:lstStyle/>
-          <a:p>
-            <a:pPr>
-              <a:defRPr sz="8000"/>
-            </a:pPr>
+              <a:t>JS Versions: ES2016</a:t>
+            </a:r>
+          </a:p>
+          <a:p>
+            <a:pPr/>
+            <a:r>
+              <a:t>Smaller update</a:t>
+            </a:r>
+          </a:p>
+          <a:p>
+            <a:pPr/>
+            <a:r>
+              <a:t>Introduces </a:t>
+            </a:r>
+          </a:p>
+          <a:p>
+            <a:pPr lvl="1"/>
+            <a:r>
+              <a:t>Decorators</a:t>
+            </a:r>
+          </a:p>
+          <a:p>
+            <a:pPr lvl="1"/>
+            <a:r>
+              <a:t>Exponentiation operator (**) </a:t>
+            </a:r>
+          </a:p>
+          <a:p>
+            <a:pPr lvl="1"/>
+            <a:r>
+              <a:t>Array.prototype.includes</a:t>
+            </a:r>
           </a:p>
         </p:txBody>
       </p:sp>
@@ -7252,7 +7223,7 @@
       </p:grpSpPr>
       <p:sp>
         <p:nvSpPr>
-          <p:cNvPr id="285" name="Shape 285"/>
+          <p:cNvPr id="284" name="Shape 284"/>
           <p:cNvSpPr/>
           <p:nvPr>
             <p:ph type="title"/>
@@ -7276,7 +7247,7 @@
       </p:sp>
       <p:sp>
         <p:nvSpPr>
-          <p:cNvPr id="286" name="Shape 286"/>
+          <p:cNvPr id="285" name="Shape 285"/>
           <p:cNvSpPr/>
           <p:nvPr>
             <p:ph type="body" idx="1"/>
@@ -7296,32 +7267,38 @@
               <a:buNone/>
             </a:pPr>
             <a:r>
-              <a:t>TypeScript type syntax</a:t>
-            </a:r>
-          </a:p>
-          <a:p>
-            <a:pPr/>
-            <a:r>
-              <a:t>Add to variable, argument, or instance prop</a:t>
-            </a:r>
-          </a:p>
-          <a:p>
-            <a:pPr/>
-            <a:r>
-              <a:t>Colon followed by type</a:t>
-            </a:r>
-          </a:p>
-          <a:p>
-            <a:pPr/>
-            <a:r>
-              <a:t>Custom types must be imported before use</a:t>
-            </a:r>
-          </a:p>
-        </p:txBody>
-      </p:sp>
-      <p:sp>
-        <p:nvSpPr>
-          <p:cNvPr id="287" name="Shape 287"/>
+              <a:t>TypeScript</a:t>
+            </a:r>
+          </a:p>
+          <a:p>
+            <a:pPr/>
+            <a:r>
+              <a:t>Uses transpilation</a:t>
+            </a:r>
+          </a:p>
+          <a:p>
+            <a:pPr/>
+            <a:r>
+              <a:t>Supports most ES6 features, some ES2016</a:t>
+            </a:r>
+          </a:p>
+          <a:p>
+            <a:pPr/>
+            <a:r>
+              <a:t>Adds static variable typing</a:t>
+            </a:r>
+          </a:p>
+          <a:p>
+            <a:pPr/>
+            <a:r>
+              <a:t>Create custom types through interfaces</a:t>
+            </a:r>
+          </a:p>
+        </p:txBody>
+      </p:sp>
+      <p:sp>
+        <p:nvSpPr>
+          <p:cNvPr id="286" name="Shape 286"/>
           <p:cNvSpPr/>
           <p:nvPr/>
         </p:nvSpPr>
@@ -7377,7 +7354,7 @@
       </p:grpSpPr>
       <p:sp>
         <p:nvSpPr>
-          <p:cNvPr id="289" name="Shape 289"/>
+          <p:cNvPr id="288" name="Shape 288"/>
           <p:cNvSpPr/>
           <p:nvPr>
             <p:ph type="title"/>
@@ -7401,7 +7378,7 @@
       </p:sp>
       <p:sp>
         <p:nvSpPr>
-          <p:cNvPr id="290" name="Shape 290"/>
+          <p:cNvPr id="289" name="Shape 289"/>
           <p:cNvSpPr/>
           <p:nvPr>
             <p:ph type="body" idx="1"/>
@@ -7416,88 +7393,37 @@
           <a:bodyPr anchor="t"/>
           <a:lstStyle/>
           <a:p>
-            <a:pPr marL="0" indent="0" defTabSz="496570">
-              <a:spcBef>
-                <a:spcPts val="3500"/>
-              </a:spcBef>
+            <a:pPr marL="0" indent="0">
               <a:buSzTx/>
               <a:buNone/>
-              <a:defRPr sz="3230"/>
             </a:pPr>
             <a:r>
-              <a:t>export class Song {</a:t>
-            </a:r>
-          </a:p>
-          <a:p>
-            <a:pPr marL="0" indent="0" defTabSz="496570">
-              <a:spcBef>
-                <a:spcPts val="3500"/>
-              </a:spcBef>
-              <a:buSzTx/>
-              <a:buNone/>
-              <a:defRPr sz="3230"/>
-            </a:pPr>
-            <a:r>
-              <a:t>  songName: string;</a:t>
-            </a:r>
-          </a:p>
-          <a:p>
-            <a:pPr marL="0" indent="0" defTabSz="496570">
-              <a:spcBef>
-                <a:spcPts val="3500"/>
-              </a:spcBef>
-              <a:buSzTx/>
-              <a:buNone/>
-              <a:defRPr sz="3230"/>
-            </a:pPr>
-            <a:r>
-              <a:t>  constructor( songName: string ) {</a:t>
-            </a:r>
-          </a:p>
-          <a:p>
-            <a:pPr marL="0" indent="0" defTabSz="496570">
-              <a:spcBef>
-                <a:spcPts val="3500"/>
-              </a:spcBef>
-              <a:buSzTx/>
-              <a:buNone/>
-              <a:defRPr sz="3230"/>
-            </a:pPr>
-            <a:r>
-              <a:t>    this.songName = songName;</a:t>
-            </a:r>
-          </a:p>
-          <a:p>
-            <a:pPr marL="0" indent="0" defTabSz="496570">
-              <a:spcBef>
-                <a:spcPts val="3500"/>
-              </a:spcBef>
-              <a:buSzTx/>
-              <a:buNone/>
-              <a:defRPr sz="3230"/>
-            </a:pPr>
-            <a:r>
-              <a:t>  }</a:t>
-            </a:r>
-          </a:p>
-          <a:p>
-            <a:pPr marL="0" indent="0" defTabSz="496570">
-              <a:spcBef>
-                <a:spcPts val="3500"/>
-              </a:spcBef>
-              <a:buSzTx/>
-              <a:buNone/>
-              <a:defRPr sz="3230"/>
-            </a:pPr>
-            <a:r>
-              <a:t>}</a:t>
-            </a:r>
-          </a:p>
-        </p:txBody>
-      </p:sp>
-      <p:sp>
-        <p:nvSpPr>
-          <p:cNvPr id="291" name="Shape 291"/>
+              <a:t>TypeScript type syntax</a:t>
+            </a:r>
+          </a:p>
+          <a:p>
+            <a:pPr/>
+            <a:r>
+              <a:t>Add to variable, argument, or instance prop</a:t>
+            </a:r>
+          </a:p>
+          <a:p>
+            <a:pPr/>
+            <a:r>
+              <a:t>Colon followed by type</a:t>
+            </a:r>
+          </a:p>
+          <a:p>
+            <a:pPr/>
+            <a:r>
+              <a:t>Custom types must be imported before use</a:t>
+            </a:r>
+          </a:p>
+        </p:txBody>
+      </p:sp>
+      <p:sp>
+        <p:nvSpPr>
+          <p:cNvPr id="290" name="Shape 290"/>
           <p:cNvSpPr/>
           <p:nvPr/>
         </p:nvSpPr>
@@ -7553,7 +7479,7 @@
       </p:grpSpPr>
       <p:sp>
         <p:nvSpPr>
-          <p:cNvPr id="293" name="Shape 293"/>
+          <p:cNvPr id="292" name="Shape 292"/>
           <p:cNvSpPr/>
           <p:nvPr>
             <p:ph type="title"/>
@@ -7570,6 +7496,182 @@
           <a:p>
             <a:pPr/>
             <a:r>
+              <a:t>TypeScript</a:t>
+            </a:r>
+          </a:p>
+        </p:txBody>
+      </p:sp>
+      <p:sp>
+        <p:nvSpPr>
+          <p:cNvPr id="293" name="Shape 293"/>
+          <p:cNvSpPr/>
+          <p:nvPr>
+            <p:ph type="body" idx="1"/>
+          </p:nvPr>
+        </p:nvSpPr>
+        <p:spPr>
+          <a:prstGeom prst="rect">
+            <a:avLst/>
+          </a:prstGeom>
+        </p:spPr>
+        <p:txBody>
+          <a:bodyPr anchor="t"/>
+          <a:lstStyle/>
+          <a:p>
+            <a:pPr marL="0" indent="0" defTabSz="496570">
+              <a:spcBef>
+                <a:spcPts val="3500"/>
+              </a:spcBef>
+              <a:buSzTx/>
+              <a:buNone/>
+              <a:defRPr sz="3230"/>
+            </a:pPr>
+            <a:r>
+              <a:t>export class Song {</a:t>
+            </a:r>
+          </a:p>
+          <a:p>
+            <a:pPr marL="0" indent="0" defTabSz="496570">
+              <a:spcBef>
+                <a:spcPts val="3500"/>
+              </a:spcBef>
+              <a:buSzTx/>
+              <a:buNone/>
+              <a:defRPr sz="3230"/>
+            </a:pPr>
+            <a:r>
+              <a:t>  songName: string;</a:t>
+            </a:r>
+          </a:p>
+          <a:p>
+            <a:pPr marL="0" indent="0" defTabSz="496570">
+              <a:spcBef>
+                <a:spcPts val="3500"/>
+              </a:spcBef>
+              <a:buSzTx/>
+              <a:buNone/>
+              <a:defRPr sz="3230"/>
+            </a:pPr>
+            <a:r>
+              <a:t>  constructor( songName: string ) {</a:t>
+            </a:r>
+          </a:p>
+          <a:p>
+            <a:pPr marL="0" indent="0" defTabSz="496570">
+              <a:spcBef>
+                <a:spcPts val="3500"/>
+              </a:spcBef>
+              <a:buSzTx/>
+              <a:buNone/>
+              <a:defRPr sz="3230"/>
+            </a:pPr>
+            <a:r>
+              <a:t>    this.songName = songName;</a:t>
+            </a:r>
+          </a:p>
+          <a:p>
+            <a:pPr marL="0" indent="0" defTabSz="496570">
+              <a:spcBef>
+                <a:spcPts val="3500"/>
+              </a:spcBef>
+              <a:buSzTx/>
+              <a:buNone/>
+              <a:defRPr sz="3230"/>
+            </a:pPr>
+            <a:r>
+              <a:t>  }</a:t>
+            </a:r>
+          </a:p>
+          <a:p>
+            <a:pPr marL="0" indent="0" defTabSz="496570">
+              <a:spcBef>
+                <a:spcPts val="3500"/>
+              </a:spcBef>
+              <a:buSzTx/>
+              <a:buNone/>
+              <a:defRPr sz="3230"/>
+            </a:pPr>
+            <a:r>
+              <a:t>}</a:t>
+            </a:r>
+          </a:p>
+        </p:txBody>
+      </p:sp>
+      <p:sp>
+        <p:nvSpPr>
+          <p:cNvPr id="294" name="Shape 294"/>
+          <p:cNvSpPr/>
+          <p:nvPr/>
+        </p:nvSpPr>
+        <p:spPr>
+          <a:xfrm>
+            <a:off x="1079500" y="381000"/>
+            <a:ext cx="11099800" cy="2159000"/>
+          </a:xfrm>
+          <a:prstGeom prst="rect">
+            <a:avLst/>
+          </a:prstGeom>
+          <a:ln w="12700">
+            <a:miter lim="400000"/>
+          </a:ln>
+        </p:spPr>
+        <p:txBody>
+          <a:bodyPr lIns="50800" tIns="50800" rIns="50800" bIns="50800" anchor="ctr">
+            <a:normAutofit fontScale="100000" lnSpcReduction="0"/>
+          </a:bodyPr>
+          <a:lstStyle/>
+          <a:p>
+            <a:pPr>
+              <a:defRPr sz="8000"/>
+            </a:pPr>
+          </a:p>
+        </p:txBody>
+      </p:sp>
+    </p:spTree>
+  </p:cSld>
+  <p:clrMapOvr>
+    <a:masterClrMapping/>
+  </p:clrMapOvr>
+  <p:transition xmlns:p14="http://schemas.microsoft.com/office/powerpoint/2010/main" spd="med" advClick="1"/>
+</p:sld>
+</file>
+
+<file path=ppt/slides/slide38.xml><?xml version="1.0" encoding="utf-8"?>
+<p:sld xmlns:a="http://schemas.openxmlformats.org/drawingml/2006/main" xmlns:r="http://schemas.openxmlformats.org/officeDocument/2006/relationships" xmlns:p="http://schemas.openxmlformats.org/presentationml/2006/main" showMasterSp="1" showMasterPhAnim="1">
+  <p:cSld>
+    <p:spTree>
+      <p:nvGrpSpPr>
+        <p:cNvPr id="1" name=""/>
+        <p:cNvGrpSpPr/>
+        <p:nvPr/>
+      </p:nvGrpSpPr>
+      <p:grpSpPr>
+        <a:xfrm>
+          <a:off x="0" y="0"/>
+          <a:ext cx="0" cy="0"/>
+          <a:chOff x="0" y="0"/>
+          <a:chExt cx="0" cy="0"/>
+        </a:xfrm>
+      </p:grpSpPr>
+      <p:sp>
+        <p:nvSpPr>
+          <p:cNvPr id="296" name="Shape 296"/>
+          <p:cNvSpPr/>
+          <p:nvPr>
+            <p:ph type="title"/>
+          </p:nvPr>
+        </p:nvSpPr>
+        <p:spPr>
+          <a:prstGeom prst="rect">
+            <a:avLst/>
+          </a:prstGeom>
+        </p:spPr>
+        <p:txBody>
+          <a:bodyPr/>
+          <a:lstStyle/>
+          <a:p>
+            <a:pPr/>
+            <a:r>
               <a:t>TypeScript Lab</a:t>
             </a:r>
           </a:p>
@@ -7577,7 +7679,7 @@
       </p:sp>
       <p:sp>
         <p:nvSpPr>
-          <p:cNvPr id="294" name="Shape 294"/>
+          <p:cNvPr id="297" name="Shape 297"/>
           <p:cNvSpPr/>
           <p:nvPr>
             <p:ph type="body" idx="1"/>

--- a/slides/2.0/Angular 2.0 Slides Day 1.pptx
+++ b/slides/2.0/Angular 2.0 Slides Day 1.pptx
@@ -46,6 +46,12 @@
     <p:sldId id="291" r:id="rId43"/>
     <p:sldId id="292" r:id="rId44"/>
     <p:sldId id="293" r:id="rId45"/>
+    <p:sldId id="294" r:id="rId46"/>
+    <p:sldId id="295" r:id="rId47"/>
+    <p:sldId id="296" r:id="rId48"/>
+    <p:sldId id="297" r:id="rId49"/>
+    <p:sldId id="298" r:id="rId50"/>
+    <p:sldId id="299" r:id="rId51"/>
   </p:sldIdLst>
   <p:sldSz cx="13004800" cy="9753600"/>
   <p:notesSz cx="6858000" cy="9144000"/>
@@ -3358,19 +3364,19 @@
           <a:p>
             <a:pPr/>
             <a:r>
-              <a:t>Single Responsibility</a:t>
-            </a:r>
-          </a:p>
-          <a:p>
-            <a:pPr/>
-            <a:r>
-              <a:t>Reusable</a:t>
-            </a:r>
-          </a:p>
-          <a:p>
-            <a:pPr/>
-            <a:r>
-              <a:t>Extensible / flexible</a:t>
+              <a:t>Separation of Concerns</a:t>
+            </a:r>
+          </a:p>
+          <a:p>
+            <a:pPr/>
+            <a:r>
+              <a:t>Single Responsibility </a:t>
+            </a:r>
+          </a:p>
+          <a:p>
+            <a:pPr/>
+            <a:r>
+              <a:t>Composability</a:t>
             </a:r>
           </a:p>
         </p:txBody>
@@ -3758,12 +3764,23 @@
         </p:nvSpPr>
         <p:spPr>
           <a:xfrm>
-            <a:off x="2391041" y="5436432"/>
+            <a:off x="2787850" y="5182432"/>
             <a:ext cx="958292" cy="495301"/>
           </a:xfrm>
           <a:prstGeom prst="rect">
             <a:avLst/>
           </a:prstGeom>
+          <a:gradFill>
+            <a:gsLst>
+              <a:gs pos="0">
+                <a:srgbClr val="A6AAA8"/>
+              </a:gs>
+              <a:gs pos="100000">
+                <a:srgbClr val="53585F"/>
+              </a:gs>
+            </a:gsLst>
+            <a:lin ang="5400000"/>
+          </a:gradFill>
           <a:ln w="12700">
             <a:miter lim="400000"/>
           </a:ln>
@@ -5066,7 +5083,7 @@
           <a:p>
             <a:pPr/>
             <a:r>
-              <a:t>DOM: batches and optimizes operations</a:t>
+              <a:t>DOM: Angular batches and optimizes operations</a:t>
             </a:r>
           </a:p>
           <a:p>
@@ -5665,36 +5682,49 @@
         </p:spPr>
         <p:txBody>
           <a:bodyPr anchor="t"/>
-          <a:lstStyle/>
-          <a:p>
-            <a:pPr marL="0" indent="0">
+          <a:lstStyle>
+            <a:lvl1pPr marL="0" indent="0" algn="ctr">
               <a:buSzTx/>
               <a:buNone/>
-            </a:pPr>
-            <a:r>
-              <a:t>Loading infrastructure more complicated</a:t>
-            </a:r>
-          </a:p>
-          <a:p>
-            <a:pPr/>
-            <a:r>
-              <a:t>1.x could be loaded via single script tag</a:t>
-            </a:r>
-          </a:p>
-          <a:p>
-            <a:pPr/>
-            <a:r>
-              <a:t>2.0 requires a script loader</a:t>
-            </a:r>
-          </a:p>
-          <a:p>
-            <a:pPr/>
-            <a:r>
-              <a:t>Error handling deeper inside call stack</a:t>
-            </a:r>
-          </a:p>
-        </p:txBody>
-      </p:sp>
+            </a:lvl1pPr>
+          </a:lstStyle>
+          <a:p>
+            <a:pPr/>
+            <a:r>
+              <a:t>Fresh out of the oven, hot and bubbly</a:t>
+            </a:r>
+          </a:p>
+        </p:txBody>
+      </p:sp>
+      <p:pic>
+        <p:nvPicPr>
+          <p:cNvPr id="241" name="Fresh-Baked-Cookies.jpg"/>
+          <p:cNvPicPr>
+            <a:picLocks noChangeAspect="1"/>
+          </p:cNvPicPr>
+          <p:nvPr/>
+        </p:nvPicPr>
+        <p:blipFill>
+          <a:blip r:embed="rId2">
+            <a:extLst/>
+          </a:blip>
+          <a:stretch>
+            <a:fillRect/>
+          </a:stretch>
+        </p:blipFill>
+        <p:spPr>
+          <a:xfrm>
+            <a:off x="3253382" y="3560564"/>
+            <a:ext cx="6497900" cy="4347095"/>
+          </a:xfrm>
+          <a:prstGeom prst="rect">
+            <a:avLst/>
+          </a:prstGeom>
+          <a:ln w="12700">
+            <a:miter lim="400000"/>
+          </a:ln>
+        </p:spPr>
+      </p:pic>
     </p:spTree>
   </p:cSld>
   <p:clrMapOvr>
@@ -5723,7 +5753,7 @@
       </p:grpSpPr>
       <p:sp>
         <p:nvSpPr>
-          <p:cNvPr id="242" name="Shape 242"/>
+          <p:cNvPr id="243" name="Shape 243"/>
           <p:cNvSpPr/>
           <p:nvPr>
             <p:ph type="title"/>
@@ -5747,7 +5777,7 @@
       </p:sp>
       <p:sp>
         <p:nvSpPr>
-          <p:cNvPr id="243" name="Shape 243"/>
+          <p:cNvPr id="244" name="Shape 244"/>
           <p:cNvSpPr/>
           <p:nvPr>
             <p:ph type="body" idx="1"/>
@@ -5767,31 +5797,31 @@
               <a:buNone/>
             </a:pPr>
             <a:r>
-              <a:t>Web resources have an expiration date</a:t>
-            </a:r>
-          </a:p>
-          <a:p>
-            <a:pPr/>
-            <a:r>
-              <a:t>API went through many changes during beta</a:t>
-            </a:r>
-          </a:p>
-          <a:p>
-            <a:pPr/>
-            <a:r>
-              <a:t>Features dropped, syntax changed</a:t>
-            </a:r>
-          </a:p>
-          <a:p>
-            <a:pPr/>
-            <a:r>
-              <a:t>Check the date on any blog post or article</a:t>
-            </a:r>
-          </a:p>
-          <a:p>
-            <a:pPr/>
-            <a:r>
-              <a:t>Be suspicious of anything prior to 10/2016 </a:t>
+              <a:t>More complicated</a:t>
+            </a:r>
+          </a:p>
+          <a:p>
+            <a:pPr/>
+            <a:r>
+              <a:t>Advanced JS</a:t>
+            </a:r>
+          </a:p>
+          <a:p>
+            <a:pPr/>
+            <a:r>
+              <a:t>Mixed contexts</a:t>
+            </a:r>
+          </a:p>
+          <a:p>
+            <a:pPr/>
+            <a:r>
+              <a:t>2.0 requires a script loader</a:t>
+            </a:r>
+          </a:p>
+          <a:p>
+            <a:pPr/>
+            <a:r>
+              <a:t>Error handling deeper inside call stack</a:t>
             </a:r>
           </a:p>
         </p:txBody>
@@ -5824,7 +5854,7 @@
       </p:grpSpPr>
       <p:sp>
         <p:nvSpPr>
-          <p:cNvPr id="245" name="Shape 245"/>
+          <p:cNvPr id="246" name="Shape 246"/>
           <p:cNvSpPr/>
           <p:nvPr>
             <p:ph type="title"/>
@@ -5841,14 +5871,14 @@
           <a:p>
             <a:pPr/>
             <a:r>
-              <a:t>Hello World Lab</a:t>
-            </a:r>
-          </a:p>
-        </p:txBody>
-      </p:sp>
-      <p:sp>
-        <p:nvSpPr>
-          <p:cNvPr id="246" name="Shape 246"/>
+              <a:t>2.0 Downsides</a:t>
+            </a:r>
+          </a:p>
+        </p:txBody>
+      </p:sp>
+      <p:sp>
+        <p:nvSpPr>
+          <p:cNvPr id="247" name="Shape 247"/>
           <p:cNvSpPr/>
           <p:nvPr>
             <p:ph type="body" idx="1"/>
@@ -5863,15 +5893,48 @@
           <a:bodyPr anchor="t"/>
           <a:lstStyle/>
           <a:p>
-            <a:pPr/>
-            <a:r>
-              <a:t>Let’s examine how the Hello World works</a:t>
-            </a:r>
-          </a:p>
-          <a:p>
-            <a:pPr/>
-            <a:r>
-              <a:t>Modifying and extending it as we go</a:t>
+            <a:pPr marL="0" indent="0">
+              <a:buSzTx/>
+              <a:buNone/>
+            </a:pPr>
+            <a:r>
+              <a:t>Web resources have an expiration date</a:t>
+            </a:r>
+          </a:p>
+          <a:p>
+            <a:pPr/>
+            <a:r>
+              <a:t>Syntax prior to 10/2016 changed drastically</a:t>
+            </a:r>
+          </a:p>
+          <a:p>
+            <a:pPr/>
+            <a:r>
+              <a:t>API went through many changes during beta</a:t>
+            </a:r>
+          </a:p>
+          <a:p>
+            <a:pPr/>
+            <a:r>
+              <a:t>Features dropped, syntax changed</a:t>
+            </a:r>
+          </a:p>
+          <a:p>
+            <a:pPr/>
+            <a:r>
+              <a:t>Check the date on any blog post or article</a:t>
+            </a:r>
+          </a:p>
+          <a:p>
+            <a:pPr/>
+            <a:r>
+              <a:rPr u="sng">
+                <a:hlinkClick r:id="rId2" invalidUrl="" action="" tgtFrame="" tooltip="" history="1" highlightClick="0" endSnd="0"/>
+              </a:rPr>
+              <a:t>angular.io</a:t>
+            </a:r>
+            <a:r>
+              <a:t> examples have problems</a:t>
             </a:r>
           </a:p>
         </p:txBody>
@@ -5904,7 +5967,7 @@
       </p:grpSpPr>
       <p:sp>
         <p:nvSpPr>
-          <p:cNvPr id="248" name="Shape 248"/>
+          <p:cNvPr id="249" name="Shape 249"/>
           <p:cNvSpPr/>
           <p:nvPr>
             <p:ph type="title"/>
@@ -5921,14 +5984,14 @@
           <a:p>
             <a:pPr/>
             <a:r>
-              <a:t>TypeScript</a:t>
-            </a:r>
-          </a:p>
-        </p:txBody>
-      </p:sp>
-      <p:sp>
-        <p:nvSpPr>
-          <p:cNvPr id="249" name="Shape 249"/>
+              <a:t>Hello World Lab</a:t>
+            </a:r>
+          </a:p>
+        </p:txBody>
+      </p:sp>
+      <p:sp>
+        <p:nvSpPr>
+          <p:cNvPr id="250" name="Shape 250"/>
           <p:cNvSpPr/>
           <p:nvPr>
             <p:ph type="body" idx="1"/>
@@ -5945,25 +6008,13 @@
           <a:p>
             <a:pPr/>
             <a:r>
-              <a:t>An addition to JavaScript</a:t>
-            </a:r>
-          </a:p>
-          <a:p>
-            <a:pPr/>
-            <a:r>
-              <a:t>Developed by Microsoft</a:t>
-            </a:r>
-          </a:p>
-          <a:p>
-            <a:pPr/>
-            <a:r>
-              <a:t>Recommended by Angular 2 team</a:t>
-            </a:r>
-          </a:p>
-          <a:p>
-            <a:pPr/>
-            <a:r>
-              <a:t>…but not required</a:t>
+              <a:t>Let’s examine how the Hello World works</a:t>
+            </a:r>
+          </a:p>
+          <a:p>
+            <a:pPr/>
+            <a:r>
+              <a:t>Modifying and extending it as we go</a:t>
             </a:r>
           </a:p>
         </p:txBody>
@@ -5996,7 +6047,7 @@
       </p:grpSpPr>
       <p:sp>
         <p:nvSpPr>
-          <p:cNvPr id="251" name="Shape 251"/>
+          <p:cNvPr id="252" name="Shape 252"/>
           <p:cNvSpPr/>
           <p:nvPr>
             <p:ph type="title"/>
@@ -6020,7 +6071,7 @@
       </p:sp>
       <p:sp>
         <p:nvSpPr>
-          <p:cNvPr id="252" name="Shape 252"/>
+          <p:cNvPr id="253" name="Shape 253"/>
           <p:cNvSpPr/>
           <p:nvPr>
             <p:ph type="body" idx="1"/>
@@ -6035,36 +6086,27 @@
           <a:bodyPr anchor="t"/>
           <a:lstStyle/>
           <a:p>
-            <a:pPr marL="0" indent="0">
-              <a:buSzTx/>
-              <a:buNone/>
-            </a:pPr>
-            <a:r>
-              <a:t>Why TypeScript?</a:t>
-            </a:r>
-          </a:p>
-          <a:p>
-            <a:pPr/>
-            <a:r>
-              <a:t>IDE Benefit</a:t>
-            </a:r>
-          </a:p>
-          <a:p>
-            <a:pPr lvl="1"/>
-            <a:r>
-              <a:t>Autocompletion</a:t>
-            </a:r>
-          </a:p>
-          <a:p>
-            <a:pPr lvl="1"/>
-            <a:r>
-              <a:t>Refactoring</a:t>
-            </a:r>
-          </a:p>
-          <a:p>
-            <a:pPr/>
-            <a:r>
-              <a:t>Testing / System Cohesiveness</a:t>
+            <a:pPr/>
+            <a:r>
+              <a:t>An addition to JavaScript</a:t>
+            </a:r>
+          </a:p>
+          <a:p>
+            <a:pPr/>
+            <a:r>
+              <a:t>Developed by Microsoft</a:t>
+            </a:r>
+          </a:p>
+          <a:p>
+            <a:pPr/>
+            <a:r>
+              <a:t>Recommended by Angular 2 team</a:t>
+            </a:r>
+          </a:p>
+          <a:p>
+            <a:pPr/>
+            <a:r>
+              <a:t>…but not required</a:t>
             </a:r>
           </a:p>
         </p:txBody>
@@ -6097,7 +6139,7 @@
       </p:grpSpPr>
       <p:sp>
         <p:nvSpPr>
-          <p:cNvPr id="254" name="Shape 254"/>
+          <p:cNvPr id="255" name="Shape 255"/>
           <p:cNvSpPr/>
           <p:nvPr>
             <p:ph type="title"/>
@@ -6121,7 +6163,7 @@
       </p:sp>
       <p:sp>
         <p:nvSpPr>
-          <p:cNvPr id="255" name="Shape 255"/>
+          <p:cNvPr id="256" name="Shape 256"/>
           <p:cNvSpPr/>
           <p:nvPr>
             <p:ph type="body" idx="1"/>
@@ -6141,31 +6183,31 @@
               <a:buNone/>
             </a:pPr>
             <a:r>
-              <a:t>JavaScript ecosystem</a:t>
-            </a:r>
-          </a:p>
-          <a:p>
-            <a:pPr/>
-            <a:r>
-              <a:t>Standardized as ECMAScript (ES)</a:t>
-            </a:r>
-          </a:p>
-          <a:p>
-            <a:pPr/>
-            <a:r>
-              <a:t>European Computer Mftrs. Assn.</a:t>
-            </a:r>
-          </a:p>
-          <a:p>
-            <a:pPr/>
-            <a:r>
-              <a:t>Working Group produces specifications</a:t>
-            </a:r>
-          </a:p>
-          <a:p>
-            <a:pPr/>
-            <a:r>
-              <a:t>Browser mftrs. then implement spec</a:t>
+              <a:t>Why TypeScript?</a:t>
+            </a:r>
+          </a:p>
+          <a:p>
+            <a:pPr/>
+            <a:r>
+              <a:t>IDE Benefit</a:t>
+            </a:r>
+          </a:p>
+          <a:p>
+            <a:pPr lvl="1"/>
+            <a:r>
+              <a:t>Autocompletion</a:t>
+            </a:r>
+          </a:p>
+          <a:p>
+            <a:pPr lvl="1"/>
+            <a:r>
+              <a:t>Refactoring</a:t>
+            </a:r>
+          </a:p>
+          <a:p>
+            <a:pPr/>
+            <a:r>
+              <a:t>Testing / System Cohesiveness</a:t>
             </a:r>
           </a:p>
         </p:txBody>
@@ -6198,7 +6240,7 @@
       </p:grpSpPr>
       <p:sp>
         <p:nvSpPr>
-          <p:cNvPr id="257" name="Shape 257"/>
+          <p:cNvPr id="258" name="Shape 258"/>
           <p:cNvSpPr/>
           <p:nvPr>
             <p:ph type="title"/>
@@ -6222,7 +6264,7 @@
       </p:sp>
       <p:sp>
         <p:nvSpPr>
-          <p:cNvPr id="258" name="Shape 258"/>
+          <p:cNvPr id="259" name="Shape 259"/>
           <p:cNvSpPr/>
           <p:nvPr>
             <p:ph type="body" idx="1"/>
@@ -6248,19 +6290,25 @@
           <a:p>
             <a:pPr/>
             <a:r>
-              <a:t>Implementation of spec varies by browser</a:t>
-            </a:r>
-          </a:p>
-          <a:p>
-            <a:pPr/>
-            <a:r>
-              <a:t>Many browsers support some, but not all ES6</a:t>
-            </a:r>
-          </a:p>
-          <a:p>
-            <a:pPr/>
-            <a:r>
-              <a:t>This is where "transpilation" comes in</a:t>
+              <a:t>Standardized as ECMAScript (ES)</a:t>
+            </a:r>
+          </a:p>
+          <a:p>
+            <a:pPr/>
+            <a:r>
+              <a:t>European Computer Mftrs. Assn.</a:t>
+            </a:r>
+          </a:p>
+          <a:p>
+            <a:pPr/>
+            <a:r>
+              <a:t>Working Group produces specifications</a:t>
+            </a:r>
+          </a:p>
+          <a:p>
+            <a:pPr/>
+            <a:r>
+              <a:t>Browser mftrs. then implement spec</a:t>
             </a:r>
           </a:p>
         </p:txBody>
@@ -6293,7 +6341,7 @@
       </p:grpSpPr>
       <p:sp>
         <p:nvSpPr>
-          <p:cNvPr id="260" name="Shape 260"/>
+          <p:cNvPr id="261" name="Shape 261"/>
           <p:cNvSpPr/>
           <p:nvPr>
             <p:ph type="title"/>
@@ -6317,7 +6365,7 @@
       </p:sp>
       <p:sp>
         <p:nvSpPr>
-          <p:cNvPr id="261" name="Shape 261"/>
+          <p:cNvPr id="262" name="Shape 262"/>
           <p:cNvSpPr/>
           <p:nvPr>
             <p:ph type="body" idx="1"/>
@@ -6337,37 +6385,25 @@
               <a:buNone/>
             </a:pPr>
             <a:r>
-              <a:t>Transpiler</a:t>
-            </a:r>
-          </a:p>
-          <a:p>
-            <a:pPr/>
-            <a:r>
-              <a:t>A build-time tool</a:t>
-            </a:r>
-          </a:p>
-          <a:p>
-            <a:pPr/>
-            <a:r>
-              <a:t>Converts unsupported features to plain JS</a:t>
-            </a:r>
-          </a:p>
-          <a:p>
-            <a:pPr/>
-            <a:r>
-              <a:t>Creates helper function libraries </a:t>
-            </a:r>
-          </a:p>
-          <a:p>
-            <a:pPr/>
-            <a:r>
-              <a:t>Outputs rewritten code to use helpers</a:t>
-            </a:r>
-          </a:p>
-          <a:p>
-            <a:pPr/>
-            <a:r>
-              <a:t>Ex: Babel, Traceur, Closure, MS TS compiler</a:t>
+              <a:t>JavaScript ecosystem</a:t>
+            </a:r>
+          </a:p>
+          <a:p>
+            <a:pPr/>
+            <a:r>
+              <a:t>Implementation of spec varies by browser</a:t>
+            </a:r>
+          </a:p>
+          <a:p>
+            <a:pPr/>
+            <a:r>
+              <a:t>Many browsers support some, but not all ES6</a:t>
+            </a:r>
+          </a:p>
+          <a:p>
+            <a:pPr/>
+            <a:r>
+              <a:t>This is where "transpilation" comes in</a:t>
             </a:r>
           </a:p>
         </p:txBody>
@@ -6400,7 +6436,7 @@
       </p:grpSpPr>
       <p:sp>
         <p:nvSpPr>
-          <p:cNvPr id="263" name="Shape 263"/>
+          <p:cNvPr id="264" name="Shape 264"/>
           <p:cNvSpPr/>
           <p:nvPr>
             <p:ph type="title"/>
@@ -6424,7 +6460,7 @@
       </p:sp>
       <p:sp>
         <p:nvSpPr>
-          <p:cNvPr id="264" name="Shape 264"/>
+          <p:cNvPr id="265" name="Shape 265"/>
           <p:cNvSpPr/>
           <p:nvPr>
             <p:ph type="body" idx="1"/>
@@ -6444,31 +6480,37 @@
               <a:buNone/>
             </a:pPr>
             <a:r>
-              <a:t>JS Versions: ES3 (1999)</a:t>
-            </a:r>
-          </a:p>
-          <a:p>
-            <a:pPr/>
-            <a:r>
-              <a:t>“Vanilla” JavaScript (in terms of syntax)</a:t>
-            </a:r>
-          </a:p>
-          <a:p>
-            <a:pPr/>
-            <a:r>
-              <a:t>All basic language features existed</a:t>
-            </a:r>
-          </a:p>
-          <a:p>
-            <a:pPr/>
-            <a:r>
-              <a:t>Historically, ES3 implementation varied</a:t>
-            </a:r>
-          </a:p>
-          <a:p>
-            <a:pPr/>
-            <a:r>
-              <a:t>IE &lt;6 and Netscape were quite different</a:t>
+              <a:t>Transpiler</a:t>
+            </a:r>
+          </a:p>
+          <a:p>
+            <a:pPr/>
+            <a:r>
+              <a:t>A build-time tool</a:t>
+            </a:r>
+          </a:p>
+          <a:p>
+            <a:pPr/>
+            <a:r>
+              <a:t>Converts unsupported features to plain JS</a:t>
+            </a:r>
+          </a:p>
+          <a:p>
+            <a:pPr/>
+            <a:r>
+              <a:t>Creates helper function libraries </a:t>
+            </a:r>
+          </a:p>
+          <a:p>
+            <a:pPr/>
+            <a:r>
+              <a:t>Outputs rewritten code to use helpers</a:t>
+            </a:r>
+          </a:p>
+          <a:p>
+            <a:pPr/>
+            <a:r>
+              <a:t>Ex: Babel, Traceur, Closure, MS TS compiler</a:t>
             </a:r>
           </a:p>
         </p:txBody>
@@ -6501,7 +6543,7 @@
       </p:grpSpPr>
       <p:sp>
         <p:nvSpPr>
-          <p:cNvPr id="266" name="Shape 266"/>
+          <p:cNvPr id="267" name="Shape 267"/>
           <p:cNvSpPr/>
           <p:nvPr>
             <p:ph type="title"/>
@@ -6525,7 +6567,7 @@
       </p:sp>
       <p:sp>
         <p:nvSpPr>
-          <p:cNvPr id="267" name="Shape 267"/>
+          <p:cNvPr id="268" name="Shape 268"/>
           <p:cNvSpPr/>
           <p:nvPr>
             <p:ph type="body" idx="1"/>
@@ -6545,31 +6587,31 @@
               <a:buNone/>
             </a:pPr>
             <a:r>
-              <a:t>JS Versions: ES4 era (~2003-9)</a:t>
-            </a:r>
-          </a:p>
-          <a:p>
-            <a:pPr/>
-            <a:r>
-              <a:t>Historical footnote - version abandoned</a:t>
-            </a:r>
-          </a:p>
-          <a:p>
-            <a:pPr/>
-            <a:r>
-              <a:t>Working group could not reach consensus</a:t>
-            </a:r>
-          </a:p>
-          <a:p>
-            <a:pPr/>
-            <a:r>
-              <a:t>Spec skipped ahead to ES5</a:t>
-            </a:r>
-          </a:p>
-          <a:p>
-            <a:pPr/>
-            <a:r>
-              <a:t>Meanwhile, IE7 and other browsers aligned</a:t>
+              <a:t>JS Versions: ES3 (1999)</a:t>
+            </a:r>
+          </a:p>
+          <a:p>
+            <a:pPr/>
+            <a:r>
+              <a:t>“Vanilla” JavaScript (in terms of syntax)</a:t>
+            </a:r>
+          </a:p>
+          <a:p>
+            <a:pPr/>
+            <a:r>
+              <a:t>All basic language features existed</a:t>
+            </a:r>
+          </a:p>
+          <a:p>
+            <a:pPr/>
+            <a:r>
+              <a:t>Historically, ES3 implementation varied</a:t>
+            </a:r>
+          </a:p>
+          <a:p>
+            <a:pPr/>
+            <a:r>
+              <a:t>IE &lt;6 and Netscape were quite different</a:t>
             </a:r>
           </a:p>
         </p:txBody>
@@ -6700,7 +6742,7 @@
       </p:grpSpPr>
       <p:sp>
         <p:nvSpPr>
-          <p:cNvPr id="269" name="Shape 269"/>
+          <p:cNvPr id="270" name="Shape 270"/>
           <p:cNvSpPr/>
           <p:nvPr>
             <p:ph type="title"/>
@@ -6724,7 +6766,7 @@
       </p:sp>
       <p:sp>
         <p:nvSpPr>
-          <p:cNvPr id="270" name="Shape 270"/>
+          <p:cNvPr id="271" name="Shape 271"/>
           <p:cNvSpPr/>
           <p:nvPr>
             <p:ph type="body" idx="1"/>
@@ -6744,31 +6786,31 @@
               <a:buNone/>
             </a:pPr>
             <a:r>
-              <a:t>JS Versions: ES5 (2009)</a:t>
-            </a:r>
-          </a:p>
-          <a:p>
-            <a:pPr/>
-            <a:r>
-              <a:t>ES3 + 'strict mode'</a:t>
-            </a:r>
-          </a:p>
-          <a:p>
-            <a:pPr/>
-            <a:r>
-              <a:t>Improvement / clarification on ES3</a:t>
-            </a:r>
-          </a:p>
-          <a:p>
-            <a:pPr/>
-            <a:r>
-              <a:t>All modern browsers (IE8+) support ES5</a:t>
-            </a:r>
-          </a:p>
-          <a:p>
-            <a:pPr/>
-            <a:r>
-              <a:t>Very little difference in implementation</a:t>
+              <a:t>JS Versions: ES4 era (~2003-9)</a:t>
+            </a:r>
+          </a:p>
+          <a:p>
+            <a:pPr/>
+            <a:r>
+              <a:t>Historical footnote - version abandoned</a:t>
+            </a:r>
+          </a:p>
+          <a:p>
+            <a:pPr/>
+            <a:r>
+              <a:t>Working group could not reach consensus</a:t>
+            </a:r>
+          </a:p>
+          <a:p>
+            <a:pPr/>
+            <a:r>
+              <a:t>Spec skipped ahead to ES5</a:t>
+            </a:r>
+          </a:p>
+          <a:p>
+            <a:pPr/>
+            <a:r>
+              <a:t>Meanwhile, IE7 and other browsers aligned</a:t>
             </a:r>
           </a:p>
         </p:txBody>
@@ -6801,7 +6843,7 @@
       </p:grpSpPr>
       <p:sp>
         <p:nvSpPr>
-          <p:cNvPr id="272" name="Shape 272"/>
+          <p:cNvPr id="273" name="Shape 273"/>
           <p:cNvSpPr/>
           <p:nvPr>
             <p:ph type="title"/>
@@ -6825,7 +6867,7 @@
       </p:sp>
       <p:sp>
         <p:nvSpPr>
-          <p:cNvPr id="273" name="Shape 273"/>
+          <p:cNvPr id="274" name="Shape 274"/>
           <p:cNvSpPr/>
           <p:nvPr>
             <p:ph type="body" idx="1"/>
@@ -6845,37 +6887,31 @@
               <a:buNone/>
             </a:pPr>
             <a:r>
-              <a:t>JS Versions: ES6 (2015)</a:t>
-            </a:r>
-          </a:p>
-          <a:p>
-            <a:pPr/>
-            <a:r>
-              <a:t>Next generation standard</a:t>
-            </a:r>
-          </a:p>
-          <a:p>
-            <a:pPr/>
-            <a:r>
-              <a:t>Introduces many new features</a:t>
-            </a:r>
-          </a:p>
-          <a:p>
-            <a:pPr lvl="1"/>
-            <a:r>
-              <a:t>Modules, classes, import / export keywords</a:t>
-            </a:r>
-          </a:p>
-          <a:p>
-            <a:pPr lvl="1"/>
-            <a:r>
-              <a:t>Lexically-scoped "arrow" functions (sets 'this')</a:t>
-            </a:r>
-          </a:p>
-          <a:p>
-            <a:pPr lvl="1"/>
-            <a:r>
-              <a:t>Promises, iterators, generators, oh my</a:t>
+              <a:t>JS Versions: ES5 (2009)</a:t>
+            </a:r>
+          </a:p>
+          <a:p>
+            <a:pPr/>
+            <a:r>
+              <a:t>ES3 + 'strict mode'</a:t>
+            </a:r>
+          </a:p>
+          <a:p>
+            <a:pPr/>
+            <a:r>
+              <a:t>Improvement / clarification on ES3</a:t>
+            </a:r>
+          </a:p>
+          <a:p>
+            <a:pPr/>
+            <a:r>
+              <a:t>All modern browsers (IE8+) support ES5</a:t>
+            </a:r>
+          </a:p>
+          <a:p>
+            <a:pPr/>
+            <a:r>
+              <a:t>Very little difference in implementation</a:t>
             </a:r>
           </a:p>
         </p:txBody>
@@ -6908,7 +6944,7 @@
       </p:grpSpPr>
       <p:sp>
         <p:nvSpPr>
-          <p:cNvPr id="275" name="Shape 275"/>
+          <p:cNvPr id="276" name="Shape 276"/>
           <p:cNvSpPr/>
           <p:nvPr>
             <p:ph type="title"/>
@@ -6932,7 +6968,7 @@
       </p:sp>
       <p:sp>
         <p:nvSpPr>
-          <p:cNvPr id="276" name="Shape 276"/>
+          <p:cNvPr id="277" name="Shape 277"/>
           <p:cNvSpPr/>
           <p:nvPr>
             <p:ph type="body" idx="1"/>
@@ -6958,25 +6994,31 @@
           <a:p>
             <a:pPr/>
             <a:r>
-              <a:t>Requires transpiration</a:t>
-            </a:r>
-          </a:p>
-          <a:p>
-            <a:pPr/>
-            <a:r>
-              <a:t>Modern browsers (IE10+) support 90-95%</a:t>
-            </a:r>
-          </a:p>
-          <a:p>
-            <a:pPr/>
-            <a:r>
-              <a:t>Unsupported features are not universal</a:t>
-            </a:r>
-          </a:p>
-          <a:p>
-            <a:pPr/>
-            <a:r>
-              <a:t>IE6-9 still have market share</a:t>
+              <a:t>Next generation standard</a:t>
+            </a:r>
+          </a:p>
+          <a:p>
+            <a:pPr/>
+            <a:r>
+              <a:t>Introduces many new features</a:t>
+            </a:r>
+          </a:p>
+          <a:p>
+            <a:pPr lvl="1"/>
+            <a:r>
+              <a:t>Modules, classes, import / export keywords</a:t>
+            </a:r>
+          </a:p>
+          <a:p>
+            <a:pPr lvl="1"/>
+            <a:r>
+              <a:t>Lexically-scoped "arrow" functions (sets 'this')</a:t>
+            </a:r>
+          </a:p>
+          <a:p>
+            <a:pPr lvl="1"/>
+            <a:r>
+              <a:t>Promises, iterators, generators, oh my</a:t>
             </a:r>
           </a:p>
         </p:txBody>
@@ -7009,7 +7051,7 @@
       </p:grpSpPr>
       <p:sp>
         <p:nvSpPr>
-          <p:cNvPr id="278" name="Shape 278"/>
+          <p:cNvPr id="279" name="Shape 279"/>
           <p:cNvSpPr/>
           <p:nvPr>
             <p:ph type="title"/>
@@ -7033,7 +7075,7 @@
       </p:sp>
       <p:sp>
         <p:nvSpPr>
-          <p:cNvPr id="279" name="Shape 279"/>
+          <p:cNvPr id="280" name="Shape 280"/>
           <p:cNvSpPr/>
           <p:nvPr>
             <p:ph type="body" idx="1"/>
@@ -7053,37 +7095,31 @@
               <a:buNone/>
             </a:pPr>
             <a:r>
-              <a:t>JS Versions: ES6 alternate names</a:t>
-            </a:r>
-          </a:p>
-          <a:p>
-            <a:pPr/>
-            <a:r>
-              <a:t>ES Harmony (code name during spec process)</a:t>
-            </a:r>
-          </a:p>
-          <a:p>
-            <a:pPr/>
-            <a:r>
-              <a:t>ES2015 (date spec finalized) </a:t>
-            </a:r>
-          </a:p>
-          <a:p>
-            <a:pPr/>
-            <a:r>
-              <a:t>ES.Next</a:t>
-            </a:r>
-          </a:p>
-          <a:p>
-            <a:pPr lvl="1"/>
-            <a:r>
-              <a:t>referred to ES6 at time of writing</a:t>
-            </a:r>
-          </a:p>
-          <a:p>
-            <a:pPr lvl="1"/>
-            <a:r>
-              <a:t>Currently refers to ES2017</a:t>
+              <a:t>JS Versions: ES6 (2015)</a:t>
+            </a:r>
+          </a:p>
+          <a:p>
+            <a:pPr/>
+            <a:r>
+              <a:t>Requires transpilation</a:t>
+            </a:r>
+          </a:p>
+          <a:p>
+            <a:pPr/>
+            <a:r>
+              <a:t>Modern browsers (IE10+) support 90-95%</a:t>
+            </a:r>
+          </a:p>
+          <a:p>
+            <a:pPr/>
+            <a:r>
+              <a:t>Unsupported features are not universal</a:t>
+            </a:r>
+          </a:p>
+          <a:p>
+            <a:pPr/>
+            <a:r>
+              <a:t>IE6-9 still have market share</a:t>
             </a:r>
           </a:p>
         </p:txBody>
@@ -7116,7 +7152,7 @@
       </p:grpSpPr>
       <p:sp>
         <p:nvSpPr>
-          <p:cNvPr id="281" name="Shape 281"/>
+          <p:cNvPr id="282" name="Shape 282"/>
           <p:cNvSpPr/>
           <p:nvPr>
             <p:ph type="title"/>
@@ -7140,7 +7176,7 @@
       </p:sp>
       <p:sp>
         <p:nvSpPr>
-          <p:cNvPr id="282" name="Shape 282"/>
+          <p:cNvPr id="283" name="Shape 283"/>
           <p:cNvSpPr/>
           <p:nvPr>
             <p:ph type="body" idx="1"/>
@@ -7160,37 +7196,37 @@
               <a:buNone/>
             </a:pPr>
             <a:r>
-              <a:t>JS Versions: ES2016</a:t>
-            </a:r>
-          </a:p>
-          <a:p>
-            <a:pPr/>
-            <a:r>
-              <a:t>Smaller update</a:t>
-            </a:r>
-          </a:p>
-          <a:p>
-            <a:pPr/>
-            <a:r>
-              <a:t>Introduces </a:t>
+              <a:t>JS Versions: ES6 alternate names</a:t>
+            </a:r>
+          </a:p>
+          <a:p>
+            <a:pPr/>
+            <a:r>
+              <a:t>ES Harmony (code name during spec process)</a:t>
+            </a:r>
+          </a:p>
+          <a:p>
+            <a:pPr/>
+            <a:r>
+              <a:t>ES2015 (date spec finalized) </a:t>
+            </a:r>
+          </a:p>
+          <a:p>
+            <a:pPr/>
+            <a:r>
+              <a:t>ES.Next</a:t>
             </a:r>
           </a:p>
           <a:p>
             <a:pPr lvl="1"/>
             <a:r>
-              <a:t>Decorators</a:t>
+              <a:t>referred to ES6 at time of writing</a:t>
             </a:r>
           </a:p>
           <a:p>
             <a:pPr lvl="1"/>
             <a:r>
-              <a:t>Exponentiation operator (**) </a:t>
-            </a:r>
-          </a:p>
-          <a:p>
-            <a:pPr lvl="1"/>
-            <a:r>
-              <a:t>Array.prototype.includes</a:t>
+              <a:t>Currently refers to ES2017</a:t>
             </a:r>
           </a:p>
         </p:txBody>
@@ -7223,7 +7259,7 @@
       </p:grpSpPr>
       <p:sp>
         <p:nvSpPr>
-          <p:cNvPr id="284" name="Shape 284"/>
+          <p:cNvPr id="285" name="Shape 285"/>
           <p:cNvSpPr/>
           <p:nvPr>
             <p:ph type="title"/>
@@ -7247,7 +7283,7 @@
       </p:sp>
       <p:sp>
         <p:nvSpPr>
-          <p:cNvPr id="285" name="Shape 285"/>
+          <p:cNvPr id="286" name="Shape 286"/>
           <p:cNvSpPr/>
           <p:nvPr>
             <p:ph type="body" idx="1"/>
@@ -7267,62 +7303,38 @@
               <a:buNone/>
             </a:pPr>
             <a:r>
-              <a:t>TypeScript</a:t>
-            </a:r>
-          </a:p>
-          <a:p>
-            <a:pPr/>
-            <a:r>
-              <a:t>Uses transpilation</a:t>
-            </a:r>
-          </a:p>
-          <a:p>
-            <a:pPr/>
-            <a:r>
-              <a:t>Supports most ES6 features, some ES2016</a:t>
-            </a:r>
-          </a:p>
-          <a:p>
-            <a:pPr/>
-            <a:r>
-              <a:t>Adds static variable typing</a:t>
-            </a:r>
-          </a:p>
-          <a:p>
-            <a:pPr/>
-            <a:r>
-              <a:t>Create custom types through interfaces</a:t>
-            </a:r>
-          </a:p>
-        </p:txBody>
-      </p:sp>
-      <p:sp>
-        <p:nvSpPr>
-          <p:cNvPr id="286" name="Shape 286"/>
-          <p:cNvSpPr/>
-          <p:nvPr/>
-        </p:nvSpPr>
-        <p:spPr>
-          <a:xfrm>
-            <a:off x="1079500" y="381000"/>
-            <a:ext cx="11099800" cy="2159000"/>
-          </a:xfrm>
-          <a:prstGeom prst="rect">
-            <a:avLst/>
-          </a:prstGeom>
-          <a:ln w="12700">
-            <a:miter lim="400000"/>
-          </a:ln>
-        </p:spPr>
-        <p:txBody>
-          <a:bodyPr lIns="50800" tIns="50800" rIns="50800" bIns="50800" anchor="ctr">
-            <a:normAutofit fontScale="100000" lnSpcReduction="0"/>
-          </a:bodyPr>
-          <a:lstStyle/>
-          <a:p>
-            <a:pPr>
-              <a:defRPr sz="8000"/>
-            </a:pPr>
+              <a:t>JS Versions: ES2016</a:t>
+            </a:r>
+          </a:p>
+          <a:p>
+            <a:pPr/>
+            <a:r>
+              <a:t>Smaller update</a:t>
+            </a:r>
+          </a:p>
+          <a:p>
+            <a:pPr/>
+            <a:r>
+              <a:t>Introduces </a:t>
+            </a:r>
+          </a:p>
+          <a:p>
+            <a:pPr lvl="1"/>
+            <a:r>
+              <a:t>Decorators</a:t>
+            </a:r>
+          </a:p>
+          <a:p>
+            <a:pPr lvl="1"/>
+            <a:r>
+              <a:t>Exponentiation operator (**) </a:t>
+            </a:r>
+          </a:p>
+          <a:p>
+            <a:pPr lvl="1"/>
+            <a:r>
+              <a:t>Array.prototype.includes</a:t>
+            </a:r>
           </a:p>
         </p:txBody>
       </p:sp>
@@ -7398,25 +7410,31 @@
               <a:buNone/>
             </a:pPr>
             <a:r>
-              <a:t>TypeScript type syntax</a:t>
-            </a:r>
-          </a:p>
-          <a:p>
-            <a:pPr/>
-            <a:r>
-              <a:t>Add to variable, argument, or instance prop</a:t>
-            </a:r>
-          </a:p>
-          <a:p>
-            <a:pPr/>
-            <a:r>
-              <a:t>Colon followed by type</a:t>
-            </a:r>
-          </a:p>
-          <a:p>
-            <a:pPr/>
-            <a:r>
-              <a:t>Custom types must be imported before use</a:t>
+              <a:t>TypeScript</a:t>
+            </a:r>
+          </a:p>
+          <a:p>
+            <a:pPr/>
+            <a:r>
+              <a:t>Uses transpilation</a:t>
+            </a:r>
+          </a:p>
+          <a:p>
+            <a:pPr/>
+            <a:r>
+              <a:t>Supports most ES6 features, some ES2016</a:t>
+            </a:r>
+          </a:p>
+          <a:p>
+            <a:pPr/>
+            <a:r>
+              <a:t>Adds static variable typing</a:t>
+            </a:r>
+          </a:p>
+          <a:p>
+            <a:pPr/>
+            <a:r>
+              <a:t>Create custom types through interfaces</a:t>
             </a:r>
           </a:p>
         </p:txBody>
@@ -7518,81 +7536,30 @@
           <a:bodyPr anchor="t"/>
           <a:lstStyle/>
           <a:p>
-            <a:pPr marL="0" indent="0" defTabSz="496570">
-              <a:spcBef>
-                <a:spcPts val="3500"/>
-              </a:spcBef>
+            <a:pPr marL="0" indent="0">
               <a:buSzTx/>
               <a:buNone/>
-              <a:defRPr sz="3230"/>
             </a:pPr>
             <a:r>
-              <a:t>export class Song {</a:t>
-            </a:r>
-          </a:p>
-          <a:p>
-            <a:pPr marL="0" indent="0" defTabSz="496570">
-              <a:spcBef>
-                <a:spcPts val="3500"/>
-              </a:spcBef>
-              <a:buSzTx/>
-              <a:buNone/>
-              <a:defRPr sz="3230"/>
-            </a:pPr>
-            <a:r>
-              <a:t>  songName: string;</a:t>
-            </a:r>
-          </a:p>
-          <a:p>
-            <a:pPr marL="0" indent="0" defTabSz="496570">
-              <a:spcBef>
-                <a:spcPts val="3500"/>
-              </a:spcBef>
-              <a:buSzTx/>
-              <a:buNone/>
-              <a:defRPr sz="3230"/>
-            </a:pPr>
-            <a:r>
-              <a:t>  constructor( songName: string ) {</a:t>
-            </a:r>
-          </a:p>
-          <a:p>
-            <a:pPr marL="0" indent="0" defTabSz="496570">
-              <a:spcBef>
-                <a:spcPts val="3500"/>
-              </a:spcBef>
-              <a:buSzTx/>
-              <a:buNone/>
-              <a:defRPr sz="3230"/>
-            </a:pPr>
-            <a:r>
-              <a:t>    this.songName = songName;</a:t>
-            </a:r>
-          </a:p>
-          <a:p>
-            <a:pPr marL="0" indent="0" defTabSz="496570">
-              <a:spcBef>
-                <a:spcPts val="3500"/>
-              </a:spcBef>
-              <a:buSzTx/>
-              <a:buNone/>
-              <a:defRPr sz="3230"/>
-            </a:pPr>
-            <a:r>
-              <a:t>  }</a:t>
-            </a:r>
-          </a:p>
-          <a:p>
-            <a:pPr marL="0" indent="0" defTabSz="496570">
-              <a:spcBef>
-                <a:spcPts val="3500"/>
-              </a:spcBef>
-              <a:buSzTx/>
-              <a:buNone/>
-              <a:defRPr sz="3230"/>
-            </a:pPr>
-            <a:r>
-              <a:t>}</a:t>
+              <a:t>TypeScript type syntax</a:t>
+            </a:r>
+          </a:p>
+          <a:p>
+            <a:pPr/>
+            <a:r>
+              <a:t>Add to variable, argument, or instance prop</a:t>
+            </a:r>
+          </a:p>
+          <a:p>
+            <a:pPr/>
+            <a:r>
+              <a:t>Colon followed by type (basic, custom, or 'any')</a:t>
+            </a:r>
+          </a:p>
+          <a:p>
+            <a:pPr/>
+            <a:r>
+              <a:t>Custom types must be imported before use</a:t>
             </a:r>
           </a:p>
         </p:txBody>
@@ -7672,7 +7639,7 @@
           <a:p>
             <a:pPr/>
             <a:r>
-              <a:t>TypeScript Lab</a:t>
+              <a:t>TypeScript</a:t>
             </a:r>
           </a:p>
         </p:txBody>
@@ -7694,45 +7661,224 @@
           <a:bodyPr anchor="t"/>
           <a:lstStyle/>
           <a:p>
-            <a:pPr/>
-            <a:r>
-              <a:t>Create classes</a:t>
-            </a:r>
-          </a:p>
-          <a:p>
-            <a:pPr lvl="1">
-              <a:defRPr sz="2700"/>
+            <a:pPr marL="0" indent="0" defTabSz="496570">
+              <a:spcBef>
+                <a:spcPts val="3500"/>
+              </a:spcBef>
+              <a:buSzTx/>
+              <a:buNone/>
+              <a:defRPr sz="3230"/>
             </a:pPr>
             <a:r>
-              <a:t>Song</a:t>
-            </a:r>
-          </a:p>
-          <a:p>
-            <a:pPr lvl="1">
-              <a:defRPr sz="2700"/>
+              <a:t>export class Song {</a:t>
+            </a:r>
+          </a:p>
+          <a:p>
+            <a:pPr marL="0" indent="0" defTabSz="496570">
+              <a:spcBef>
+                <a:spcPts val="3500"/>
+              </a:spcBef>
+              <a:buSzTx/>
+              <a:buNone/>
+              <a:defRPr sz="3230"/>
             </a:pPr>
             <a:r>
-              <a:t>Artist</a:t>
-            </a:r>
-          </a:p>
-          <a:p>
-            <a:pPr lvl="1">
-              <a:defRPr sz="2700"/>
+              <a:t>  songName: string;</a:t>
+            </a:r>
+          </a:p>
+          <a:p>
+            <a:pPr marL="0" indent="0" defTabSz="496570">
+              <a:spcBef>
+                <a:spcPts val="3500"/>
+              </a:spcBef>
+              <a:buSzTx/>
+              <a:buNone/>
+              <a:defRPr sz="3230"/>
             </a:pPr>
             <a:r>
-              <a:t>Performance ( Song + Artist )</a:t>
-            </a:r>
-          </a:p>
-          <a:p>
-            <a:pPr/>
-            <a:r>
-              <a:t>Flesh out classes with relevant fields</a:t>
-            </a:r>
-          </a:p>
-          <a:p>
-            <a:pPr/>
-            <a:r>
-              <a:t>Create instances of each class</a:t>
+              <a:t>  constructor( songName: string ) {</a:t>
+            </a:r>
+          </a:p>
+          <a:p>
+            <a:pPr marL="0" indent="0" defTabSz="496570">
+              <a:spcBef>
+                <a:spcPts val="3500"/>
+              </a:spcBef>
+              <a:buSzTx/>
+              <a:buNone/>
+              <a:defRPr sz="3230"/>
+            </a:pPr>
+            <a:r>
+              <a:t>    this.songName = songName;</a:t>
+            </a:r>
+          </a:p>
+          <a:p>
+            <a:pPr marL="0" indent="0" defTabSz="496570">
+              <a:spcBef>
+                <a:spcPts val="3500"/>
+              </a:spcBef>
+              <a:buSzTx/>
+              <a:buNone/>
+              <a:defRPr sz="3230"/>
+            </a:pPr>
+            <a:r>
+              <a:t>  }</a:t>
+            </a:r>
+          </a:p>
+          <a:p>
+            <a:pPr marL="0" indent="0" defTabSz="496570">
+              <a:spcBef>
+                <a:spcPts val="3500"/>
+              </a:spcBef>
+              <a:buSzTx/>
+              <a:buNone/>
+              <a:defRPr sz="3230"/>
+            </a:pPr>
+            <a:r>
+              <a:t>}</a:t>
+            </a:r>
+          </a:p>
+        </p:txBody>
+      </p:sp>
+      <p:sp>
+        <p:nvSpPr>
+          <p:cNvPr id="298" name="Shape 298"/>
+          <p:cNvSpPr/>
+          <p:nvPr/>
+        </p:nvSpPr>
+        <p:spPr>
+          <a:xfrm>
+            <a:off x="1079500" y="381000"/>
+            <a:ext cx="11099800" cy="2159000"/>
+          </a:xfrm>
+          <a:prstGeom prst="rect">
+            <a:avLst/>
+          </a:prstGeom>
+          <a:ln w="12700">
+            <a:miter lim="400000"/>
+          </a:ln>
+        </p:spPr>
+        <p:txBody>
+          <a:bodyPr lIns="50800" tIns="50800" rIns="50800" bIns="50800" anchor="ctr">
+            <a:normAutofit fontScale="100000" lnSpcReduction="0"/>
+          </a:bodyPr>
+          <a:lstStyle/>
+          <a:p>
+            <a:pPr>
+              <a:defRPr sz="8000"/>
+            </a:pPr>
+          </a:p>
+        </p:txBody>
+      </p:sp>
+    </p:spTree>
+  </p:cSld>
+  <p:clrMapOvr>
+    <a:masterClrMapping/>
+  </p:clrMapOvr>
+  <p:transition xmlns:p14="http://schemas.microsoft.com/office/powerpoint/2010/main" spd="med" advClick="1"/>
+</p:sld>
+</file>
+
+<file path=ppt/slides/slide39.xml><?xml version="1.0" encoding="utf-8"?>
+<p:sld xmlns:a="http://schemas.openxmlformats.org/drawingml/2006/main" xmlns:r="http://schemas.openxmlformats.org/officeDocument/2006/relationships" xmlns:p="http://schemas.openxmlformats.org/presentationml/2006/main" showMasterSp="1" showMasterPhAnim="1">
+  <p:cSld>
+    <p:spTree>
+      <p:nvGrpSpPr>
+        <p:cNvPr id="1" name=""/>
+        <p:cNvGrpSpPr/>
+        <p:nvPr/>
+      </p:nvGrpSpPr>
+      <p:grpSpPr>
+        <a:xfrm>
+          <a:off x="0" y="0"/>
+          <a:ext cx="0" cy="0"/>
+          <a:chOff x="0" y="0"/>
+          <a:chExt cx="0" cy="0"/>
+        </a:xfrm>
+      </p:grpSpPr>
+      <p:sp>
+        <p:nvSpPr>
+          <p:cNvPr id="300" name="Shape 300"/>
+          <p:cNvSpPr/>
+          <p:nvPr>
+            <p:ph type="title"/>
+          </p:nvPr>
+        </p:nvSpPr>
+        <p:spPr>
+          <a:prstGeom prst="rect">
+            <a:avLst/>
+          </a:prstGeom>
+        </p:spPr>
+        <p:txBody>
+          <a:bodyPr/>
+          <a:lstStyle/>
+          <a:p>
+            <a:pPr/>
+            <a:r>
+              <a:t>TypeScript</a:t>
+            </a:r>
+          </a:p>
+        </p:txBody>
+      </p:sp>
+      <p:sp>
+        <p:nvSpPr>
+          <p:cNvPr id="301" name="Shape 301"/>
+          <p:cNvSpPr/>
+          <p:nvPr>
+            <p:ph type="body" idx="1"/>
+          </p:nvPr>
+        </p:nvSpPr>
+        <p:spPr>
+          <a:prstGeom prst="rect">
+            <a:avLst/>
+          </a:prstGeom>
+        </p:spPr>
+        <p:txBody>
+          <a:bodyPr anchor="t"/>
+          <a:lstStyle/>
+          <a:p>
+            <a:pPr marL="0" indent="0">
+              <a:buSzTx/>
+              <a:buNone/>
+            </a:pPr>
+            <a:r>
+              <a:t>Function typing</a:t>
+            </a:r>
+          </a:p>
+          <a:p>
+            <a:pPr marL="0" indent="0">
+              <a:buSzTx/>
+              <a:buNone/>
+            </a:pPr>
+            <a:r>
+              <a:t>Specify return value with colon &amp; type after args</a:t>
+            </a:r>
+          </a:p>
+          <a:p>
+            <a:pPr marL="0" indent="0">
+              <a:buSzTx/>
+              <a:buNone/>
+            </a:pPr>
+            <a:r>
+              <a:t>function fullName( f: any, l: string): string {</a:t>
+            </a:r>
+          </a:p>
+          <a:p>
+            <a:pPr lvl="1" marL="0" indent="228600">
+              <a:buSzTx/>
+              <a:buNone/>
+            </a:pPr>
+            <a:r>
+              <a:t>return l + ', ' + f.toString();</a:t>
+            </a:r>
+          </a:p>
+          <a:p>
+            <a:pPr marL="0" indent="0">
+              <a:buSzTx/>
+              <a:buNone/>
+            </a:pPr>
+            <a:r>
+              <a:t>}</a:t>
             </a:r>
           </a:p>
         </p:txBody>
@@ -7837,6 +7983,541 @@
             <a:pPr lvl="1"/>
             <a:r>
               <a:t>Data Binding</a:t>
+            </a:r>
+          </a:p>
+        </p:txBody>
+      </p:sp>
+    </p:spTree>
+  </p:cSld>
+  <p:clrMapOvr>
+    <a:masterClrMapping/>
+  </p:clrMapOvr>
+  <p:transition xmlns:p14="http://schemas.microsoft.com/office/powerpoint/2010/main" spd="med" advClick="1"/>
+</p:sld>
+</file>
+
+<file path=ppt/slides/slide40.xml><?xml version="1.0" encoding="utf-8"?>
+<p:sld xmlns:a="http://schemas.openxmlformats.org/drawingml/2006/main" xmlns:r="http://schemas.openxmlformats.org/officeDocument/2006/relationships" xmlns:p="http://schemas.openxmlformats.org/presentationml/2006/main" showMasterSp="1" showMasterPhAnim="1">
+  <p:cSld>
+    <p:spTree>
+      <p:nvGrpSpPr>
+        <p:cNvPr id="1" name=""/>
+        <p:cNvGrpSpPr/>
+        <p:nvPr/>
+      </p:nvGrpSpPr>
+      <p:grpSpPr>
+        <a:xfrm>
+          <a:off x="0" y="0"/>
+          <a:ext cx="0" cy="0"/>
+          <a:chOff x="0" y="0"/>
+          <a:chExt cx="0" cy="0"/>
+        </a:xfrm>
+      </p:grpSpPr>
+      <p:sp>
+        <p:nvSpPr>
+          <p:cNvPr id="303" name="Shape 303"/>
+          <p:cNvSpPr/>
+          <p:nvPr>
+            <p:ph type="title"/>
+          </p:nvPr>
+        </p:nvSpPr>
+        <p:spPr>
+          <a:prstGeom prst="rect">
+            <a:avLst/>
+          </a:prstGeom>
+        </p:spPr>
+        <p:txBody>
+          <a:bodyPr/>
+          <a:lstStyle/>
+          <a:p>
+            <a:pPr/>
+            <a:r>
+              <a:t>TypeScript</a:t>
+            </a:r>
+          </a:p>
+        </p:txBody>
+      </p:sp>
+      <p:sp>
+        <p:nvSpPr>
+          <p:cNvPr id="304" name="Shape 304"/>
+          <p:cNvSpPr/>
+          <p:nvPr>
+            <p:ph type="body" idx="1"/>
+          </p:nvPr>
+        </p:nvSpPr>
+        <p:spPr>
+          <a:prstGeom prst="rect">
+            <a:avLst/>
+          </a:prstGeom>
+        </p:spPr>
+        <p:txBody>
+          <a:bodyPr anchor="t"/>
+          <a:lstStyle/>
+          <a:p>
+            <a:pPr marL="0" indent="0">
+              <a:buSzTx/>
+              <a:buNone/>
+            </a:pPr>
+            <a:r>
+              <a:t>Optional values</a:t>
+            </a:r>
+          </a:p>
+          <a:p>
+            <a:pPr marL="0" indent="0">
+              <a:buSzTx/>
+              <a:buNone/>
+            </a:pPr>
+            <a:r>
+              <a:t>Use a question mark to indicate non-required</a:t>
+            </a:r>
+          </a:p>
+          <a:p>
+            <a:pPr marL="0" indent="0">
+              <a:buSzTx/>
+              <a:buNone/>
+            </a:pPr>
+            <a:r>
+              <a:t>function fullName( f?: any, l: string): string {</a:t>
+            </a:r>
+          </a:p>
+          <a:p>
+            <a:pPr lvl="1" marL="0" indent="228600">
+              <a:buSzTx/>
+              <a:buNone/>
+            </a:pPr>
+            <a:r>
+              <a:t>return l + ( f ) ? ', ' + f.toString() || '';</a:t>
+            </a:r>
+          </a:p>
+          <a:p>
+            <a:pPr marL="0" indent="0">
+              <a:buSzTx/>
+              <a:buNone/>
+            </a:pPr>
+            <a:r>
+              <a:t>}</a:t>
+            </a:r>
+          </a:p>
+        </p:txBody>
+      </p:sp>
+    </p:spTree>
+  </p:cSld>
+  <p:clrMapOvr>
+    <a:masterClrMapping/>
+  </p:clrMapOvr>
+  <p:transition xmlns:p14="http://schemas.microsoft.com/office/powerpoint/2010/main" spd="med" advClick="1"/>
+</p:sld>
+</file>
+
+<file path=ppt/slides/slide41.xml><?xml version="1.0" encoding="utf-8"?>
+<p:sld xmlns:a="http://schemas.openxmlformats.org/drawingml/2006/main" xmlns:r="http://schemas.openxmlformats.org/officeDocument/2006/relationships" xmlns:p="http://schemas.openxmlformats.org/presentationml/2006/main" showMasterSp="1" showMasterPhAnim="1">
+  <p:cSld>
+    <p:spTree>
+      <p:nvGrpSpPr>
+        <p:cNvPr id="1" name=""/>
+        <p:cNvGrpSpPr/>
+        <p:nvPr/>
+      </p:nvGrpSpPr>
+      <p:grpSpPr>
+        <a:xfrm>
+          <a:off x="0" y="0"/>
+          <a:ext cx="0" cy="0"/>
+          <a:chOff x="0" y="0"/>
+          <a:chExt cx="0" cy="0"/>
+        </a:xfrm>
+      </p:grpSpPr>
+      <p:sp>
+        <p:nvSpPr>
+          <p:cNvPr id="306" name="Shape 306"/>
+          <p:cNvSpPr/>
+          <p:nvPr>
+            <p:ph type="title"/>
+          </p:nvPr>
+        </p:nvSpPr>
+        <p:spPr>
+          <a:prstGeom prst="rect">
+            <a:avLst/>
+          </a:prstGeom>
+        </p:spPr>
+        <p:txBody>
+          <a:bodyPr/>
+          <a:lstStyle/>
+          <a:p>
+            <a:pPr/>
+            <a:r>
+              <a:t>TypeScript</a:t>
+            </a:r>
+          </a:p>
+        </p:txBody>
+      </p:sp>
+      <p:sp>
+        <p:nvSpPr>
+          <p:cNvPr id="307" name="Shape 307"/>
+          <p:cNvSpPr/>
+          <p:nvPr>
+            <p:ph type="body" idx="1"/>
+          </p:nvPr>
+        </p:nvSpPr>
+        <p:spPr>
+          <a:prstGeom prst="rect">
+            <a:avLst/>
+          </a:prstGeom>
+        </p:spPr>
+        <p:txBody>
+          <a:bodyPr anchor="t"/>
+          <a:lstStyle/>
+          <a:p>
+            <a:pPr marL="0" indent="0">
+              <a:buSzTx/>
+              <a:buNone/>
+            </a:pPr>
+            <a:r>
+              <a:t>Type variables</a:t>
+            </a:r>
+          </a:p>
+          <a:p>
+            <a:pPr marL="0" indent="0">
+              <a:buSzTx/>
+              <a:buNone/>
+            </a:pPr>
+            <a:r>
+              <a:t>Specify the type passed to a function dynamically</a:t>
+            </a:r>
+          </a:p>
+          <a:p>
+            <a:pPr marL="0" indent="0">
+              <a:buSzTx/>
+              <a:buNone/>
+            </a:pPr>
+            <a:r>
+              <a:t>function identity&lt;T&gt;( arg: T ): T {</a:t>
+            </a:r>
+          </a:p>
+          <a:p>
+            <a:pPr lvl="1" marL="0" indent="228600">
+              <a:buSzTx/>
+              <a:buNone/>
+            </a:pPr>
+            <a:r>
+              <a:t>return arg;</a:t>
+            </a:r>
+          </a:p>
+          <a:p>
+            <a:pPr marL="0" indent="0">
+              <a:buSzTx/>
+              <a:buNone/>
+            </a:pPr>
+            <a:r>
+              <a:t>}</a:t>
+            </a:r>
+          </a:p>
+          <a:p>
+            <a:pPr marL="0" indent="0">
+              <a:buSzTx/>
+              <a:buNone/>
+            </a:pPr>
+            <a:r>
+              <a:t>let output = identity&lt;string&gt;("myString");</a:t>
+            </a:r>
+          </a:p>
+        </p:txBody>
+      </p:sp>
+    </p:spTree>
+  </p:cSld>
+  <p:clrMapOvr>
+    <a:masterClrMapping/>
+  </p:clrMapOvr>
+  <p:transition xmlns:p14="http://schemas.microsoft.com/office/powerpoint/2010/main" spd="med" advClick="1"/>
+</p:sld>
+</file>
+
+<file path=ppt/slides/slide42.xml><?xml version="1.0" encoding="utf-8"?>
+<p:sld xmlns:a="http://schemas.openxmlformats.org/drawingml/2006/main" xmlns:r="http://schemas.openxmlformats.org/officeDocument/2006/relationships" xmlns:p="http://schemas.openxmlformats.org/presentationml/2006/main" showMasterSp="1" showMasterPhAnim="1">
+  <p:cSld>
+    <p:spTree>
+      <p:nvGrpSpPr>
+        <p:cNvPr id="1" name=""/>
+        <p:cNvGrpSpPr/>
+        <p:nvPr/>
+      </p:nvGrpSpPr>
+      <p:grpSpPr>
+        <a:xfrm>
+          <a:off x="0" y="0"/>
+          <a:ext cx="0" cy="0"/>
+          <a:chOff x="0" y="0"/>
+          <a:chExt cx="0" cy="0"/>
+        </a:xfrm>
+      </p:grpSpPr>
+      <p:sp>
+        <p:nvSpPr>
+          <p:cNvPr id="309" name="Shape 309"/>
+          <p:cNvSpPr/>
+          <p:nvPr>
+            <p:ph type="title"/>
+          </p:nvPr>
+        </p:nvSpPr>
+        <p:spPr>
+          <a:prstGeom prst="rect">
+            <a:avLst/>
+          </a:prstGeom>
+        </p:spPr>
+        <p:txBody>
+          <a:bodyPr/>
+          <a:lstStyle/>
+          <a:p>
+            <a:pPr/>
+            <a:r>
+              <a:t>TypeScript Lab</a:t>
+            </a:r>
+          </a:p>
+        </p:txBody>
+      </p:sp>
+      <p:sp>
+        <p:nvSpPr>
+          <p:cNvPr id="310" name="Shape 310"/>
+          <p:cNvSpPr/>
+          <p:nvPr>
+            <p:ph type="body" idx="1"/>
+          </p:nvPr>
+        </p:nvSpPr>
+        <p:spPr>
+          <a:prstGeom prst="rect">
+            <a:avLst/>
+          </a:prstGeom>
+        </p:spPr>
+        <p:txBody>
+          <a:bodyPr anchor="t"/>
+          <a:lstStyle/>
+          <a:p>
+            <a:pPr/>
+            <a:r>
+              <a:t>Examine examples (02-some-typescript-types)</a:t>
+            </a:r>
+          </a:p>
+          <a:p>
+            <a:pPr/>
+            <a:r>
+              <a:t>Create some more classes (Album, Genre)</a:t>
+            </a:r>
+          </a:p>
+          <a:p>
+            <a:pPr/>
+            <a:r>
+              <a:t>Flesh out classes with relevant fields</a:t>
+            </a:r>
+          </a:p>
+          <a:p>
+            <a:pPr/>
+            <a:r>
+              <a:t>Create instances of each class</a:t>
+            </a:r>
+          </a:p>
+        </p:txBody>
+      </p:sp>
+    </p:spTree>
+  </p:cSld>
+  <p:clrMapOvr>
+    <a:masterClrMapping/>
+  </p:clrMapOvr>
+  <p:transition xmlns:p14="http://schemas.microsoft.com/office/powerpoint/2010/main" spd="med" advClick="1"/>
+</p:sld>
+</file>
+
+<file path=ppt/slides/slide43.xml><?xml version="1.0" encoding="utf-8"?>
+<p:sld xmlns:a="http://schemas.openxmlformats.org/drawingml/2006/main" xmlns:r="http://schemas.openxmlformats.org/officeDocument/2006/relationships" xmlns:p="http://schemas.openxmlformats.org/presentationml/2006/main" showMasterSp="1" showMasterPhAnim="1">
+  <p:cSld>
+    <p:spTree>
+      <p:nvGrpSpPr>
+        <p:cNvPr id="1" name=""/>
+        <p:cNvGrpSpPr/>
+        <p:nvPr/>
+      </p:nvGrpSpPr>
+      <p:grpSpPr>
+        <a:xfrm>
+          <a:off x="0" y="0"/>
+          <a:ext cx="0" cy="0"/>
+          <a:chOff x="0" y="0"/>
+          <a:chExt cx="0" cy="0"/>
+        </a:xfrm>
+      </p:grpSpPr>
+      <p:sp>
+        <p:nvSpPr>
+          <p:cNvPr id="312" name="Shape 312"/>
+          <p:cNvSpPr/>
+          <p:nvPr>
+            <p:ph type="title"/>
+          </p:nvPr>
+        </p:nvSpPr>
+        <p:spPr>
+          <a:prstGeom prst="rect">
+            <a:avLst/>
+          </a:prstGeom>
+        </p:spPr>
+        <p:txBody>
+          <a:bodyPr/>
+          <a:lstStyle/>
+          <a:p>
+            <a:pPr/>
+            <a:r>
+              <a:t>More TypeScript</a:t>
+            </a:r>
+          </a:p>
+        </p:txBody>
+      </p:sp>
+      <p:sp>
+        <p:nvSpPr>
+          <p:cNvPr id="313" name="Shape 313"/>
+          <p:cNvSpPr/>
+          <p:nvPr>
+            <p:ph type="body" idx="1"/>
+          </p:nvPr>
+        </p:nvSpPr>
+        <p:spPr>
+          <a:prstGeom prst="rect">
+            <a:avLst/>
+          </a:prstGeom>
+        </p:spPr>
+        <p:txBody>
+          <a:bodyPr anchor="t"/>
+          <a:lstStyle/>
+          <a:p>
+            <a:pPr/>
+            <a:r>
+              <a:t>Function typing (return value) </a:t>
+            </a:r>
+          </a:p>
+          <a:p>
+            <a:pPr/>
+            <a:r>
+              <a:t>Type compatibility (structural / duck typing) </a:t>
+            </a:r>
+          </a:p>
+          <a:p>
+            <a:pPr/>
+            <a:r>
+              <a:t>Type inference</a:t>
+            </a:r>
+          </a:p>
+          <a:p>
+            <a:pPr/>
+            <a:r>
+              <a:t>Interfaces / Definition files </a:t>
+            </a:r>
+          </a:p>
+          <a:p>
+            <a:pPr/>
+            <a:r>
+              <a:t>Namespaces</a:t>
+            </a:r>
+          </a:p>
+          <a:p>
+            <a:pPr/>
+            <a:r>
+              <a:t>JSX</a:t>
+            </a:r>
+          </a:p>
+        </p:txBody>
+      </p:sp>
+    </p:spTree>
+  </p:cSld>
+  <p:clrMapOvr>
+    <a:masterClrMapping/>
+  </p:clrMapOvr>
+  <p:transition xmlns:p14="http://schemas.microsoft.com/office/powerpoint/2010/main" spd="med" advClick="1"/>
+</p:sld>
+</file>
+
+<file path=ppt/slides/slide44.xml><?xml version="1.0" encoding="utf-8"?>
+<p:sld xmlns:a="http://schemas.openxmlformats.org/drawingml/2006/main" xmlns:r="http://schemas.openxmlformats.org/officeDocument/2006/relationships" xmlns:p="http://schemas.openxmlformats.org/presentationml/2006/main" showMasterSp="1" showMasterPhAnim="1">
+  <p:cSld>
+    <p:spTree>
+      <p:nvGrpSpPr>
+        <p:cNvPr id="1" name=""/>
+        <p:cNvGrpSpPr/>
+        <p:nvPr/>
+      </p:nvGrpSpPr>
+      <p:grpSpPr>
+        <a:xfrm>
+          <a:off x="0" y="0"/>
+          <a:ext cx="0" cy="0"/>
+          <a:chOff x="0" y="0"/>
+          <a:chExt cx="0" cy="0"/>
+        </a:xfrm>
+      </p:grpSpPr>
+      <p:sp>
+        <p:nvSpPr>
+          <p:cNvPr id="315" name="Shape 315"/>
+          <p:cNvSpPr/>
+          <p:nvPr>
+            <p:ph type="title"/>
+          </p:nvPr>
+        </p:nvSpPr>
+        <p:spPr>
+          <a:prstGeom prst="rect">
+            <a:avLst/>
+          </a:prstGeom>
+        </p:spPr>
+        <p:txBody>
+          <a:bodyPr/>
+          <a:lstStyle/>
+          <a:p>
+            <a:pPr/>
+            <a:r>
+              <a:t>ES6 features</a:t>
+            </a:r>
+          </a:p>
+        </p:txBody>
+      </p:sp>
+      <p:sp>
+        <p:nvSpPr>
+          <p:cNvPr id="316" name="Shape 316"/>
+          <p:cNvSpPr/>
+          <p:nvPr>
+            <p:ph type="body" idx="1"/>
+          </p:nvPr>
+        </p:nvSpPr>
+        <p:spPr>
+          <a:prstGeom prst="rect">
+            <a:avLst/>
+          </a:prstGeom>
+        </p:spPr>
+        <p:txBody>
+          <a:bodyPr anchor="t"/>
+          <a:lstStyle/>
+          <a:p>
+            <a:pPr/>
+            <a:r>
+              <a:t>'let': declare block-scoped variable</a:t>
+            </a:r>
+          </a:p>
+          <a:p>
+            <a:pPr/>
+            <a:r>
+              <a:t>Arrow (=&gt;): lexically-scoped function sugar</a:t>
+            </a:r>
+          </a:p>
+          <a:p>
+            <a:pPr/>
+            <a:r>
+              <a:t>Parameters: defaults, spread / (the) rest</a:t>
+            </a:r>
+          </a:p>
+          <a:p>
+            <a:pPr/>
+            <a:r>
+              <a:t>Template literals: string interpolation</a:t>
+            </a:r>
+          </a:p>
+          <a:p>
+            <a:pPr/>
+            <a:r>
+              <a:t>Object shorthand</a:t>
+            </a:r>
+          </a:p>
+          <a:p>
+            <a:pPr/>
+            <a:r>
+              <a:t>Promises, Iterators, Generators</a:t>
             </a:r>
           </a:p>
         </p:txBody>

--- a/slides/2.0/Angular 2.0 Slides Day 1.pptx
+++ b/slides/2.0/Angular 2.0 Slides Day 1.pptx
@@ -553,8 +553,8 @@
       </p:grpSpPr>
       <p:sp>
         <p:nvSpPr>
-          <p:cNvPr id="11" name="Shape 11"/>
-          <p:cNvSpPr/>
+          <p:cNvPr id="11" name="Title Text"/>
+          <p:cNvSpPr txBox="1"/>
           <p:nvPr>
             <p:ph type="title"/>
           </p:nvPr>
@@ -581,8 +581,8 @@
       </p:sp>
       <p:sp>
         <p:nvSpPr>
-          <p:cNvPr id="12" name="Shape 12"/>
-          <p:cNvSpPr/>
+          <p:cNvPr id="12" name="Body Level One…"/>
+          <p:cNvSpPr txBox="1"/>
           <p:nvPr>
             <p:ph type="body" sz="quarter" idx="1"/>
           </p:nvPr>
@@ -674,8 +674,8 @@
       </p:sp>
       <p:sp>
         <p:nvSpPr>
-          <p:cNvPr id="13" name="Shape 13"/>
-          <p:cNvSpPr/>
+          <p:cNvPr id="13" name="Slide Number"/>
+          <p:cNvSpPr txBox="1"/>
           <p:nvPr>
             <p:ph type="sldNum" sz="quarter" idx="2"/>
           </p:nvPr>
@@ -722,8 +722,8 @@
       </p:grpSpPr>
       <p:sp>
         <p:nvSpPr>
-          <p:cNvPr id="93" name="Shape 93"/>
-          <p:cNvSpPr/>
+          <p:cNvPr id="93" name="–Johnny Appleseed"/>
+          <p:cNvSpPr txBox="1"/>
           <p:nvPr>
             <p:ph type="body" sz="quarter" idx="13"/>
           </p:nvPr>
@@ -761,8 +761,8 @@
       </p:sp>
       <p:sp>
         <p:nvSpPr>
-          <p:cNvPr id="94" name="Shape 94"/>
-          <p:cNvSpPr/>
+          <p:cNvPr id="94" name="“Type a quote here.”"/>
+          <p:cNvSpPr txBox="1"/>
           <p:nvPr>
             <p:ph type="body" sz="quarter" idx="14"/>
           </p:nvPr>
@@ -799,8 +799,8 @@
       </p:sp>
       <p:sp>
         <p:nvSpPr>
-          <p:cNvPr id="95" name="Shape 95"/>
-          <p:cNvSpPr/>
+          <p:cNvPr id="95" name="Slide Number"/>
+          <p:cNvSpPr txBox="1"/>
           <p:nvPr>
             <p:ph type="sldNum" sz="quarter" idx="2"/>
           </p:nvPr>
@@ -847,7 +847,7 @@
       </p:grpSpPr>
       <p:sp>
         <p:nvSpPr>
-          <p:cNvPr id="102" name="Shape 102"/>
+          <p:cNvPr id="102" name="Image"/>
           <p:cNvSpPr/>
           <p:nvPr>
             <p:ph type="pic" idx="13"/>
@@ -874,8 +874,8 @@
       </p:sp>
       <p:sp>
         <p:nvSpPr>
-          <p:cNvPr id="103" name="Shape 103"/>
-          <p:cNvSpPr/>
+          <p:cNvPr id="103" name="Slide Number"/>
+          <p:cNvSpPr txBox="1"/>
           <p:nvPr>
             <p:ph type="sldNum" sz="quarter" idx="2"/>
           </p:nvPr>
@@ -922,8 +922,8 @@
       </p:grpSpPr>
       <p:sp>
         <p:nvSpPr>
-          <p:cNvPr id="110" name="Shape 110"/>
-          <p:cNvSpPr/>
+          <p:cNvPr id="110" name="Slide Number"/>
+          <p:cNvSpPr txBox="1"/>
           <p:nvPr>
             <p:ph type="sldNum" sz="quarter" idx="2"/>
           </p:nvPr>
@@ -970,7 +970,7 @@
       </p:grpSpPr>
       <p:sp>
         <p:nvSpPr>
-          <p:cNvPr id="20" name="Shape 20"/>
+          <p:cNvPr id="20" name="Image"/>
           <p:cNvSpPr/>
           <p:nvPr>
             <p:ph type="pic" idx="13"/>
@@ -997,8 +997,8 @@
       </p:sp>
       <p:sp>
         <p:nvSpPr>
-          <p:cNvPr id="21" name="Shape 21"/>
-          <p:cNvSpPr/>
+          <p:cNvPr id="21" name="Title Text"/>
+          <p:cNvSpPr txBox="1"/>
           <p:nvPr>
             <p:ph type="title"/>
           </p:nvPr>
@@ -1025,8 +1025,8 @@
       </p:sp>
       <p:sp>
         <p:nvSpPr>
-          <p:cNvPr id="22" name="Shape 22"/>
-          <p:cNvSpPr/>
+          <p:cNvPr id="22" name="Body Level One…"/>
+          <p:cNvSpPr txBox="1"/>
           <p:nvPr>
             <p:ph type="body" sz="quarter" idx="1"/>
           </p:nvPr>
@@ -1118,8 +1118,8 @@
       </p:sp>
       <p:sp>
         <p:nvSpPr>
-          <p:cNvPr id="23" name="Shape 23"/>
-          <p:cNvSpPr/>
+          <p:cNvPr id="23" name="Slide Number"/>
+          <p:cNvSpPr txBox="1"/>
           <p:nvPr>
             <p:ph type="sldNum" sz="quarter" idx="2"/>
           </p:nvPr>
@@ -1166,8 +1166,8 @@
       </p:grpSpPr>
       <p:sp>
         <p:nvSpPr>
-          <p:cNvPr id="30" name="Shape 30"/>
-          <p:cNvSpPr/>
+          <p:cNvPr id="30" name="Title Text"/>
+          <p:cNvSpPr txBox="1"/>
           <p:nvPr>
             <p:ph type="title"/>
           </p:nvPr>
@@ -1194,8 +1194,8 @@
       </p:sp>
       <p:sp>
         <p:nvSpPr>
-          <p:cNvPr id="31" name="Shape 31"/>
-          <p:cNvSpPr/>
+          <p:cNvPr id="31" name="Slide Number"/>
+          <p:cNvSpPr txBox="1"/>
           <p:nvPr>
             <p:ph type="sldNum" sz="quarter" idx="2"/>
           </p:nvPr>
@@ -1242,7 +1242,7 @@
       </p:grpSpPr>
       <p:sp>
         <p:nvSpPr>
-          <p:cNvPr id="38" name="Shape 38"/>
+          <p:cNvPr id="38" name="Image"/>
           <p:cNvSpPr/>
           <p:nvPr>
             <p:ph type="pic" sz="half" idx="13"/>
@@ -1269,8 +1269,8 @@
       </p:sp>
       <p:sp>
         <p:nvSpPr>
-          <p:cNvPr id="39" name="Shape 39"/>
-          <p:cNvSpPr/>
+          <p:cNvPr id="39" name="Title Text"/>
+          <p:cNvSpPr txBox="1"/>
           <p:nvPr>
             <p:ph type="title"/>
           </p:nvPr>
@@ -1301,8 +1301,8 @@
       </p:sp>
       <p:sp>
         <p:nvSpPr>
-          <p:cNvPr id="40" name="Shape 40"/>
-          <p:cNvSpPr/>
+          <p:cNvPr id="40" name="Body Level One…"/>
+          <p:cNvSpPr txBox="1"/>
           <p:nvPr>
             <p:ph type="body" sz="quarter" idx="1"/>
           </p:nvPr>
@@ -1394,8 +1394,8 @@
       </p:sp>
       <p:sp>
         <p:nvSpPr>
-          <p:cNvPr id="41" name="Shape 41"/>
-          <p:cNvSpPr/>
+          <p:cNvPr id="41" name="Slide Number"/>
+          <p:cNvSpPr txBox="1"/>
           <p:nvPr>
             <p:ph type="sldNum" sz="quarter" idx="2"/>
           </p:nvPr>
@@ -1442,8 +1442,8 @@
       </p:grpSpPr>
       <p:sp>
         <p:nvSpPr>
-          <p:cNvPr id="48" name="Shape 48"/>
-          <p:cNvSpPr/>
+          <p:cNvPr id="48" name="Title Text"/>
+          <p:cNvSpPr txBox="1"/>
           <p:nvPr>
             <p:ph type="title"/>
           </p:nvPr>
@@ -1466,8 +1466,8 @@
       </p:sp>
       <p:sp>
         <p:nvSpPr>
-          <p:cNvPr id="49" name="Shape 49"/>
-          <p:cNvSpPr/>
+          <p:cNvPr id="49" name="Slide Number"/>
+          <p:cNvSpPr txBox="1"/>
           <p:nvPr>
             <p:ph type="sldNum" sz="quarter" idx="2"/>
           </p:nvPr>
@@ -1514,8 +1514,8 @@
       </p:grpSpPr>
       <p:sp>
         <p:nvSpPr>
-          <p:cNvPr id="56" name="Shape 56"/>
-          <p:cNvSpPr/>
+          <p:cNvPr id="56" name="Title Text"/>
+          <p:cNvSpPr txBox="1"/>
           <p:nvPr>
             <p:ph type="title"/>
           </p:nvPr>
@@ -1538,8 +1538,8 @@
       </p:sp>
       <p:sp>
         <p:nvSpPr>
-          <p:cNvPr id="57" name="Shape 57"/>
-          <p:cNvSpPr/>
+          <p:cNvPr id="57" name="Body Level One…"/>
+          <p:cNvSpPr txBox="1"/>
           <p:nvPr>
             <p:ph type="body" idx="1"/>
           </p:nvPr>
@@ -1586,8 +1586,8 @@
       </p:sp>
       <p:sp>
         <p:nvSpPr>
-          <p:cNvPr id="58" name="Shape 58"/>
-          <p:cNvSpPr/>
+          <p:cNvPr id="58" name="Slide Number"/>
+          <p:cNvSpPr txBox="1"/>
           <p:nvPr>
             <p:ph type="sldNum" sz="quarter" idx="2"/>
           </p:nvPr>
@@ -1634,7 +1634,7 @@
       </p:grpSpPr>
       <p:sp>
         <p:nvSpPr>
-          <p:cNvPr id="65" name="Shape 65"/>
+          <p:cNvPr id="65" name="Image"/>
           <p:cNvSpPr/>
           <p:nvPr>
             <p:ph type="pic" sz="half" idx="13"/>
@@ -1661,8 +1661,8 @@
       </p:sp>
       <p:sp>
         <p:nvSpPr>
-          <p:cNvPr id="66" name="Shape 66"/>
-          <p:cNvSpPr/>
+          <p:cNvPr id="66" name="Title Text"/>
+          <p:cNvSpPr txBox="1"/>
           <p:nvPr>
             <p:ph type="title"/>
           </p:nvPr>
@@ -1685,8 +1685,8 @@
       </p:sp>
       <p:sp>
         <p:nvSpPr>
-          <p:cNvPr id="67" name="Shape 67"/>
-          <p:cNvSpPr/>
+          <p:cNvPr id="67" name="Body Level One…"/>
+          <p:cNvSpPr txBox="1"/>
           <p:nvPr>
             <p:ph type="body" sz="half" idx="1"/>
           </p:nvPr>
@@ -1768,8 +1768,8 @@
       </p:sp>
       <p:sp>
         <p:nvSpPr>
-          <p:cNvPr id="68" name="Shape 68"/>
-          <p:cNvSpPr/>
+          <p:cNvPr id="68" name="Slide Number"/>
+          <p:cNvSpPr txBox="1"/>
           <p:nvPr>
             <p:ph type="sldNum" sz="quarter" idx="2"/>
           </p:nvPr>
@@ -1816,8 +1816,8 @@
       </p:grpSpPr>
       <p:sp>
         <p:nvSpPr>
-          <p:cNvPr id="75" name="Shape 75"/>
-          <p:cNvSpPr/>
+          <p:cNvPr id="75" name="Body Level One…"/>
+          <p:cNvSpPr txBox="1"/>
           <p:nvPr>
             <p:ph type="body" idx="1"/>
           </p:nvPr>
@@ -1868,8 +1868,8 @@
       </p:sp>
       <p:sp>
         <p:nvSpPr>
-          <p:cNvPr id="76" name="Shape 76"/>
-          <p:cNvSpPr/>
+          <p:cNvPr id="76" name="Slide Number"/>
+          <p:cNvSpPr txBox="1"/>
           <p:nvPr>
             <p:ph type="sldNum" sz="quarter" idx="2"/>
           </p:nvPr>
@@ -1916,7 +1916,7 @@
       </p:grpSpPr>
       <p:sp>
         <p:nvSpPr>
-          <p:cNvPr id="83" name="Shape 83"/>
+          <p:cNvPr id="83" name="Image"/>
           <p:cNvSpPr/>
           <p:nvPr>
             <p:ph type="pic" sz="quarter" idx="13"/>
@@ -1943,7 +1943,7 @@
       </p:sp>
       <p:sp>
         <p:nvSpPr>
-          <p:cNvPr id="84" name="Shape 84"/>
+          <p:cNvPr id="84" name="Image"/>
           <p:cNvSpPr/>
           <p:nvPr>
             <p:ph type="pic" sz="quarter" idx="14"/>
@@ -1970,7 +1970,7 @@
       </p:sp>
       <p:sp>
         <p:nvSpPr>
-          <p:cNvPr id="85" name="Shape 85"/>
+          <p:cNvPr id="85" name="Image"/>
           <p:cNvSpPr/>
           <p:nvPr>
             <p:ph type="pic" sz="half" idx="15"/>
@@ -1997,8 +1997,8 @@
       </p:sp>
       <p:sp>
         <p:nvSpPr>
-          <p:cNvPr id="86" name="Shape 86"/>
-          <p:cNvSpPr/>
+          <p:cNvPr id="86" name="Slide Number"/>
+          <p:cNvSpPr txBox="1"/>
           <p:nvPr>
             <p:ph type="sldNum" sz="quarter" idx="2"/>
           </p:nvPr>
@@ -2052,8 +2052,8 @@
       </p:grpSpPr>
       <p:sp>
         <p:nvSpPr>
-          <p:cNvPr id="2" name="Shape 2"/>
-          <p:cNvSpPr/>
+          <p:cNvPr id="2" name="Title Text"/>
+          <p:cNvSpPr txBox="1"/>
           <p:nvPr>
             <p:ph type="title"/>
           </p:nvPr>
@@ -2090,8 +2090,8 @@
       </p:sp>
       <p:sp>
         <p:nvSpPr>
-          <p:cNvPr id="3" name="Shape 3"/>
-          <p:cNvSpPr/>
+          <p:cNvPr id="3" name="Body Level One…"/>
+          <p:cNvSpPr txBox="1"/>
           <p:nvPr>
             <p:ph type="body" idx="1"/>
           </p:nvPr>
@@ -2152,8 +2152,8 @@
       </p:sp>
       <p:sp>
         <p:nvSpPr>
-          <p:cNvPr id="4" name="Shape 4"/>
-          <p:cNvSpPr/>
+          <p:cNvPr id="4" name="Slide Number"/>
+          <p:cNvSpPr txBox="1"/>
           <p:nvPr>
             <p:ph type="sldNum" sz="quarter" idx="2"/>
           </p:nvPr>
@@ -3016,8 +3016,8 @@
       </p:grpSpPr>
       <p:sp>
         <p:nvSpPr>
-          <p:cNvPr id="119" name="Shape 119"/>
-          <p:cNvSpPr/>
+          <p:cNvPr id="119" name="Angular 2.0"/>
+          <p:cNvSpPr txBox="1"/>
           <p:nvPr>
             <p:ph type="ctrTitle"/>
           </p:nvPr>
@@ -3040,8 +3040,8 @@
       </p:sp>
       <p:sp>
         <p:nvSpPr>
-          <p:cNvPr id="120" name="Shape 120"/>
-          <p:cNvSpPr/>
+          <p:cNvPr id="120" name="Elias Carlston, DevelopIntelligence…"/>
+          <p:cNvSpPr txBox="1"/>
           <p:nvPr>
             <p:ph type="subTitle" sz="quarter" idx="1"/>
           </p:nvPr>
@@ -3071,7 +3071,7 @@
               <a:defRPr sz="3600"/>
             </a:pPr>
             <a:r>
-              <a:t>elias@eliascarlston</a:t>
+              <a:t>elias@eliascarlston.com</a:t>
             </a:r>
           </a:p>
           <a:p>
@@ -3083,6 +3083,13 @@
                 <a:hlinkClick r:id="rId2" invalidUrl="" action="" tgtFrame="" tooltip="" history="1" highlightClick="0" endSnd="0"/>
               </a:rPr>
               <a:t>https://github.com/eliasjames</a:t>
+            </a:r>
+            <a:r>
+              <a:t>/</a:t>
+            </a:r>
+            <a:r>
+              <a:rPr u="sng"/>
+              <a:t>training-angular</a:t>
             </a:r>
           </a:p>
         </p:txBody>
@@ -3115,8 +3122,8 @@
       </p:grpSpPr>
       <p:sp>
         <p:nvSpPr>
-          <p:cNvPr id="176" name="Shape 176"/>
-          <p:cNvSpPr/>
+          <p:cNvPr id="176" name="SPA Challenges"/>
+          <p:cNvSpPr txBox="1"/>
           <p:nvPr>
             <p:ph type="title"/>
           </p:nvPr>
@@ -3139,8 +3146,8 @@
       </p:sp>
       <p:sp>
         <p:nvSpPr>
-          <p:cNvPr id="177" name="Shape 177"/>
-          <p:cNvSpPr/>
+          <p:cNvPr id="177" name="Timing…"/>
+          <p:cNvSpPr txBox="1"/>
           <p:nvPr>
             <p:ph type="body" idx="1"/>
           </p:nvPr>
@@ -3217,8 +3224,8 @@
       </p:grpSpPr>
       <p:sp>
         <p:nvSpPr>
-          <p:cNvPr id="179" name="Shape 179"/>
-          <p:cNvSpPr/>
+          <p:cNvPr id="179" name="SPA Challenges"/>
+          <p:cNvSpPr txBox="1"/>
           <p:nvPr>
             <p:ph type="title"/>
           </p:nvPr>
@@ -3241,8 +3248,8 @@
       </p:sp>
       <p:sp>
         <p:nvSpPr>
-          <p:cNvPr id="180" name="Shape 180"/>
-          <p:cNvSpPr/>
+          <p:cNvPr id="180" name="DOM…"/>
+          <p:cNvSpPr txBox="1"/>
           <p:nvPr>
             <p:ph type="body" idx="1"/>
           </p:nvPr>
@@ -3313,8 +3320,8 @@
       </p:grpSpPr>
       <p:sp>
         <p:nvSpPr>
-          <p:cNvPr id="182" name="Shape 182"/>
-          <p:cNvSpPr/>
+          <p:cNvPr id="182" name="SPA Challenges"/>
+          <p:cNvSpPr txBox="1"/>
           <p:nvPr>
             <p:ph type="title"/>
           </p:nvPr>
@@ -3337,8 +3344,8 @@
       </p:sp>
       <p:sp>
         <p:nvSpPr>
-          <p:cNvPr id="183" name="Shape 183"/>
-          <p:cNvSpPr/>
+          <p:cNvPr id="183" name="Structure…"/>
+          <p:cNvSpPr txBox="1"/>
           <p:nvPr>
             <p:ph type="body" idx="1"/>
           </p:nvPr>
@@ -3409,8 +3416,8 @@
       </p:grpSpPr>
       <p:sp>
         <p:nvSpPr>
-          <p:cNvPr id="185" name="Shape 185"/>
-          <p:cNvSpPr/>
+          <p:cNvPr id="185" name="Model-View-Controller"/>
+          <p:cNvSpPr txBox="1"/>
           <p:nvPr>
             <p:ph type="title"/>
           </p:nvPr>
@@ -3433,7 +3440,7 @@
       </p:sp>
       <p:sp>
         <p:nvSpPr>
-          <p:cNvPr id="186" name="Shape 186"/>
+          <p:cNvPr id="186" name="Rectangle"/>
           <p:cNvSpPr/>
           <p:nvPr/>
         </p:nvSpPr>
@@ -3468,7 +3475,7 @@
       </p:sp>
       <p:sp>
         <p:nvSpPr>
-          <p:cNvPr id="187" name="Shape 187"/>
+          <p:cNvPr id="187" name="User"/>
           <p:cNvSpPr/>
           <p:nvPr/>
         </p:nvSpPr>
@@ -3513,7 +3520,7 @@
       </p:sp>
       <p:sp>
         <p:nvSpPr>
-          <p:cNvPr id="188" name="Shape 188"/>
+          <p:cNvPr id="188" name="&lt;text&gt;"/>
           <p:cNvSpPr/>
           <p:nvPr/>
         </p:nvSpPr>
@@ -3554,7 +3561,7 @@
       </p:sp>
       <p:sp>
         <p:nvSpPr>
-          <p:cNvPr id="189" name="Shape 189"/>
+          <p:cNvPr id="189" name="Widget…"/>
           <p:cNvSpPr/>
           <p:nvPr/>
         </p:nvSpPr>
@@ -3601,7 +3608,7 @@
       </p:sp>
       <p:sp>
         <p:nvSpPr>
-          <p:cNvPr id="190" name="Shape 190"/>
+          <p:cNvPr id="190" name="&lt;canvas&gt;"/>
           <p:cNvSpPr/>
           <p:nvPr/>
         </p:nvSpPr>
@@ -3645,7 +3652,7 @@
       </p:sp>
       <p:sp>
         <p:nvSpPr>
-          <p:cNvPr id="191" name="Shape 191"/>
+          <p:cNvPr id="191" name="Widget…"/>
           <p:cNvSpPr/>
           <p:nvPr/>
         </p:nvSpPr>
@@ -3692,7 +3699,7 @@
       </p:sp>
       <p:sp>
         <p:nvSpPr>
-          <p:cNvPr id="192" name="Shape 192"/>
+          <p:cNvPr id="192" name="Line"/>
           <p:cNvSpPr/>
           <p:nvPr/>
         </p:nvSpPr>
@@ -3725,7 +3732,7 @@
       </p:sp>
       <p:sp>
         <p:nvSpPr>
-          <p:cNvPr id="193" name="Shape 193"/>
+          <p:cNvPr id="193" name="Line"/>
           <p:cNvSpPr/>
           <p:nvPr/>
         </p:nvSpPr>
@@ -3758,7 +3765,7 @@
       </p:sp>
       <p:sp>
         <p:nvSpPr>
-          <p:cNvPr id="194" name="Shape 194"/>
+          <p:cNvPr id="194" name="Client"/>
           <p:cNvSpPr/>
           <p:nvPr/>
         </p:nvSpPr>
@@ -3809,7 +3816,7 @@
       </p:sp>
       <p:sp>
         <p:nvSpPr>
-          <p:cNvPr id="195" name="Shape 195"/>
+          <p:cNvPr id="195" name="Line"/>
           <p:cNvSpPr/>
           <p:nvPr/>
         </p:nvSpPr>
@@ -3841,8 +3848,8 @@
       </p:sp>
       <p:sp>
         <p:nvSpPr>
-          <p:cNvPr id="196" name="Shape 196"/>
-          <p:cNvSpPr/>
+          <p:cNvPr id="196" name="View"/>
+          <p:cNvSpPr txBox="1"/>
           <p:nvPr/>
         </p:nvSpPr>
         <p:spPr>
@@ -3885,8 +3892,8 @@
       </p:sp>
       <p:sp>
         <p:nvSpPr>
-          <p:cNvPr id="197" name="Shape 197"/>
-          <p:cNvSpPr/>
+          <p:cNvPr id="197" name="Model"/>
+          <p:cNvSpPr txBox="1"/>
           <p:nvPr/>
         </p:nvSpPr>
         <p:spPr>
@@ -3929,8 +3936,8 @@
       </p:sp>
       <p:sp>
         <p:nvSpPr>
-          <p:cNvPr id="198" name="Shape 198"/>
-          <p:cNvSpPr/>
+          <p:cNvPr id="198" name="Controller"/>
+          <p:cNvSpPr txBox="1"/>
           <p:nvPr/>
         </p:nvSpPr>
         <p:spPr>
@@ -3973,8 +3980,8 @@
       </p:sp>
       <p:sp>
         <p:nvSpPr>
-          <p:cNvPr id="199" name="Shape 199"/>
-          <p:cNvSpPr/>
+          <p:cNvPr id="199" name="Model handles data…"/>
+          <p:cNvSpPr txBox="1"/>
           <p:nvPr/>
         </p:nvSpPr>
         <p:spPr>
@@ -4048,7 +4055,7 @@
       </p:sp>
       <p:sp>
         <p:nvSpPr>
-          <p:cNvPr id="200" name="Shape 200"/>
+          <p:cNvPr id="200" name="Line"/>
           <p:cNvSpPr/>
           <p:nvPr/>
         </p:nvSpPr>
@@ -4080,7 +4087,7 @@
       </p:sp>
       <p:sp>
         <p:nvSpPr>
-          <p:cNvPr id="201" name="Shape 201"/>
+          <p:cNvPr id="201" name="Line"/>
           <p:cNvSpPr/>
           <p:nvPr/>
         </p:nvSpPr>
@@ -4112,7 +4119,7 @@
       </p:sp>
       <p:sp>
         <p:nvSpPr>
-          <p:cNvPr id="202" name="Shape 202"/>
+          <p:cNvPr id="202" name="REST API"/>
           <p:cNvSpPr/>
           <p:nvPr/>
         </p:nvSpPr>
@@ -4161,7 +4168,7 @@
       </p:sp>
       <p:sp>
         <p:nvSpPr>
-          <p:cNvPr id="203" name="Shape 203"/>
+          <p:cNvPr id="203" name="Local…"/>
           <p:cNvSpPr/>
           <p:nvPr/>
         </p:nvSpPr>
@@ -4216,7 +4223,7 @@
       </p:sp>
       <p:sp>
         <p:nvSpPr>
-          <p:cNvPr id="204" name="Shape 204"/>
+          <p:cNvPr id="204" name="More"/>
           <p:cNvSpPr/>
           <p:nvPr/>
         </p:nvSpPr>
@@ -4265,7 +4272,7 @@
       </p:sp>
       <p:sp>
         <p:nvSpPr>
-          <p:cNvPr id="205" name="Shape 205"/>
+          <p:cNvPr id="205" name="Line"/>
           <p:cNvSpPr/>
           <p:nvPr/>
         </p:nvSpPr>
@@ -4298,7 +4305,7 @@
       </p:sp>
       <p:sp>
         <p:nvSpPr>
-          <p:cNvPr id="206" name="Shape 206"/>
+          <p:cNvPr id="206" name="Line"/>
           <p:cNvSpPr/>
           <p:nvPr/>
         </p:nvSpPr>
@@ -4331,7 +4338,7 @@
       </p:sp>
       <p:sp>
         <p:nvSpPr>
-          <p:cNvPr id="207" name="Shape 207"/>
+          <p:cNvPr id="207" name="Line"/>
           <p:cNvSpPr/>
           <p:nvPr/>
         </p:nvSpPr>
@@ -4364,8 +4371,8 @@
       </p:sp>
       <p:sp>
         <p:nvSpPr>
-          <p:cNvPr id="208" name="Shape 208"/>
-          <p:cNvSpPr/>
+          <p:cNvPr id="208" name="5"/>
+          <p:cNvSpPr txBox="1"/>
           <p:nvPr/>
         </p:nvSpPr>
         <p:spPr>
@@ -4426,7 +4433,7 @@
       </p:grpSpPr>
       <p:pic>
         <p:nvPicPr>
-          <p:cNvPr id="210" name="Screen Shot 2017-01-05 at 3.40.25 PM.png"/>
+          <p:cNvPr id="210" name="Screen Shot 2017-01-05 at 3.40.25 PM.png" descr="Screen Shot 2017-01-05 at 3.40.25 PM.png"/>
           <p:cNvPicPr>
             <a:picLocks noChangeAspect="1"/>
           </p:cNvPicPr>
@@ -4455,8 +4462,8 @@
       </p:pic>
       <p:sp>
         <p:nvSpPr>
-          <p:cNvPr id="211" name="Shape 211"/>
-          <p:cNvSpPr/>
+          <p:cNvPr id="211" name="Composability"/>
+          <p:cNvSpPr txBox="1"/>
           <p:nvPr>
             <p:ph type="title"/>
           </p:nvPr>
@@ -4479,7 +4486,7 @@
       </p:sp>
       <p:sp>
         <p:nvSpPr>
-          <p:cNvPr id="212" name="Shape 212"/>
+          <p:cNvPr id="212" name="Rectangle"/>
           <p:cNvSpPr/>
           <p:nvPr/>
         </p:nvSpPr>
@@ -4510,7 +4517,7 @@
       </p:sp>
       <p:sp>
         <p:nvSpPr>
-          <p:cNvPr id="213" name="Shape 213"/>
+          <p:cNvPr id="213" name="Rectangle"/>
           <p:cNvSpPr/>
           <p:nvPr/>
         </p:nvSpPr>
@@ -4541,7 +4548,7 @@
       </p:sp>
       <p:sp>
         <p:nvSpPr>
-          <p:cNvPr id="214" name="Shape 214"/>
+          <p:cNvPr id="214" name="Rectangle"/>
           <p:cNvSpPr/>
           <p:nvPr/>
         </p:nvSpPr>
@@ -4572,7 +4579,7 @@
       </p:sp>
       <p:sp>
         <p:nvSpPr>
-          <p:cNvPr id="215" name="Shape 215"/>
+          <p:cNvPr id="215" name="Rectangle"/>
           <p:cNvSpPr/>
           <p:nvPr/>
         </p:nvSpPr>
@@ -4603,7 +4610,7 @@
       </p:sp>
       <p:sp>
         <p:nvSpPr>
-          <p:cNvPr id="216" name="Shape 216"/>
+          <p:cNvPr id="216" name="Rectangle"/>
           <p:cNvSpPr/>
           <p:nvPr/>
         </p:nvSpPr>
@@ -4634,8 +4641,8 @@
       </p:sp>
       <p:sp>
         <p:nvSpPr>
-          <p:cNvPr id="217" name="Shape 217"/>
-          <p:cNvSpPr/>
+          <p:cNvPr id="217" name="“Compose” an application by reusing smaller components.…"/>
+          <p:cNvSpPr txBox="1"/>
           <p:nvPr/>
         </p:nvSpPr>
         <p:spPr>
@@ -4679,8 +4686,8 @@
       </p:sp>
       <p:sp>
         <p:nvSpPr>
-          <p:cNvPr id="218" name="Shape 218"/>
-          <p:cNvSpPr/>
+          <p:cNvPr id="218" name="Month"/>
+          <p:cNvSpPr txBox="1"/>
           <p:nvPr/>
         </p:nvSpPr>
         <p:spPr>
@@ -4744,8 +4751,8 @@
       </p:sp>
       <p:sp>
         <p:nvSpPr>
-          <p:cNvPr id="219" name="Shape 219"/>
-          <p:cNvSpPr/>
+          <p:cNvPr id="219" name="Week"/>
+          <p:cNvSpPr txBox="1"/>
           <p:nvPr/>
         </p:nvSpPr>
         <p:spPr>
@@ -4809,8 +4816,8 @@
       </p:sp>
       <p:sp>
         <p:nvSpPr>
-          <p:cNvPr id="220" name="Shape 220"/>
-          <p:cNvSpPr/>
+          <p:cNvPr id="220" name="Week"/>
+          <p:cNvSpPr txBox="1"/>
           <p:nvPr/>
         </p:nvSpPr>
         <p:spPr>
@@ -4874,8 +4881,8 @@
       </p:sp>
       <p:sp>
         <p:nvSpPr>
-          <p:cNvPr id="221" name="Shape 221"/>
-          <p:cNvSpPr/>
+          <p:cNvPr id="221" name="Day"/>
+          <p:cNvSpPr txBox="1"/>
           <p:nvPr/>
         </p:nvSpPr>
         <p:spPr>
@@ -4939,8 +4946,8 @@
       </p:sp>
       <p:sp>
         <p:nvSpPr>
-          <p:cNvPr id="222" name="Shape 222"/>
-          <p:cNvSpPr/>
+          <p:cNvPr id="222" name="Day"/>
+          <p:cNvSpPr txBox="1"/>
           <p:nvPr/>
         </p:nvSpPr>
         <p:spPr>
@@ -5030,8 +5037,8 @@
       </p:grpSpPr>
       <p:sp>
         <p:nvSpPr>
-          <p:cNvPr id="224" name="Shape 224"/>
-          <p:cNvSpPr/>
+          <p:cNvPr id="224" name="Why Angular?"/>
+          <p:cNvSpPr txBox="1"/>
           <p:nvPr>
             <p:ph type="title"/>
           </p:nvPr>
@@ -5054,8 +5061,8 @@
       </p:sp>
       <p:sp>
         <p:nvSpPr>
-          <p:cNvPr id="225" name="Shape 225"/>
-          <p:cNvSpPr/>
+          <p:cNvPr id="225" name="State: managed through model…"/>
+          <p:cNvSpPr txBox="1"/>
           <p:nvPr>
             <p:ph type="body" idx="1"/>
           </p:nvPr>
@@ -5122,8 +5129,8 @@
       </p:grpSpPr>
       <p:sp>
         <p:nvSpPr>
-          <p:cNvPr id="227" name="Shape 227"/>
-          <p:cNvSpPr/>
+          <p:cNvPr id="227" name="Why Angular 2?"/>
+          <p:cNvSpPr txBox="1"/>
           <p:nvPr>
             <p:ph type="title"/>
           </p:nvPr>
@@ -5146,8 +5153,8 @@
       </p:sp>
       <p:sp>
         <p:nvSpPr>
-          <p:cNvPr id="228" name="Shape 228"/>
-          <p:cNvSpPr/>
+          <p:cNvPr id="228" name="Angular 1.x maybe more like 0.x…"/>
+          <p:cNvSpPr txBox="1"/>
           <p:nvPr>
             <p:ph type="body" idx="1"/>
           </p:nvPr>
@@ -5218,8 +5225,8 @@
       </p:grpSpPr>
       <p:sp>
         <p:nvSpPr>
-          <p:cNvPr id="230" name="Shape 230"/>
-          <p:cNvSpPr/>
+          <p:cNvPr id="230" name="Why Angular 2?"/>
+          <p:cNvSpPr txBox="1"/>
           <p:nvPr>
             <p:ph type="title"/>
           </p:nvPr>
@@ -5242,8 +5249,8 @@
       </p:sp>
       <p:sp>
         <p:nvSpPr>
-          <p:cNvPr id="231" name="Shape 231"/>
-          <p:cNvSpPr/>
+          <p:cNvPr id="231" name="Breaking changes needed…"/>
+          <p:cNvSpPr txBox="1"/>
           <p:nvPr>
             <p:ph type="body" idx="1"/>
           </p:nvPr>
@@ -5314,8 +5321,8 @@
       </p:grpSpPr>
       <p:sp>
         <p:nvSpPr>
-          <p:cNvPr id="233" name="Shape 233"/>
-          <p:cNvSpPr/>
+          <p:cNvPr id="233" name="Why Angular 2?"/>
+          <p:cNvSpPr txBox="1"/>
           <p:nvPr>
             <p:ph type="title"/>
           </p:nvPr>
@@ -5338,8 +5345,8 @@
       </p:sp>
       <p:sp>
         <p:nvSpPr>
-          <p:cNvPr id="234" name="Shape 234"/>
-          <p:cNvSpPr/>
+          <p:cNvPr id="234" name="Alignment with future…"/>
+          <p:cNvSpPr txBox="1"/>
           <p:nvPr>
             <p:ph type="body" idx="1"/>
           </p:nvPr>
@@ -5404,8 +5411,8 @@
       </p:grpSpPr>
       <p:sp>
         <p:nvSpPr>
-          <p:cNvPr id="236" name="Shape 236"/>
-          <p:cNvSpPr/>
+          <p:cNvPr id="236" name="Why Angular 2?"/>
+          <p:cNvSpPr txBox="1"/>
           <p:nvPr>
             <p:ph type="title"/>
           </p:nvPr>
@@ -5428,8 +5435,8 @@
       </p:sp>
       <p:sp>
         <p:nvSpPr>
-          <p:cNvPr id="237" name="Shape 237"/>
-          <p:cNvSpPr/>
+          <p:cNvPr id="237" name="API simplified…"/>
+          <p:cNvSpPr txBox="1"/>
           <p:nvPr>
             <p:ph type="body" idx="1"/>
           </p:nvPr>
@@ -5500,8 +5507,8 @@
       </p:grpSpPr>
       <p:sp>
         <p:nvSpPr>
-          <p:cNvPr id="122" name="Shape 122"/>
-          <p:cNvSpPr/>
+          <p:cNvPr id="122" name="Day 1 Schedule"/>
+          <p:cNvSpPr txBox="1"/>
           <p:nvPr>
             <p:ph type="title"/>
           </p:nvPr>
@@ -5524,8 +5531,8 @@
       </p:sp>
       <p:sp>
         <p:nvSpPr>
-          <p:cNvPr id="123" name="Shape 123"/>
-          <p:cNvSpPr/>
+          <p:cNvPr id="123" name="Introductions / Icebreakers…"/>
+          <p:cNvSpPr txBox="1"/>
           <p:nvPr>
             <p:ph type="body" idx="1"/>
           </p:nvPr>
@@ -5645,8 +5652,8 @@
       </p:grpSpPr>
       <p:sp>
         <p:nvSpPr>
-          <p:cNvPr id="239" name="Shape 239"/>
-          <p:cNvSpPr/>
+          <p:cNvPr id="239" name="2.0 Downsides"/>
+          <p:cNvSpPr txBox="1"/>
           <p:nvPr>
             <p:ph type="title"/>
           </p:nvPr>
@@ -5669,8 +5676,8 @@
       </p:sp>
       <p:sp>
         <p:nvSpPr>
-          <p:cNvPr id="240" name="Shape 240"/>
-          <p:cNvSpPr/>
+          <p:cNvPr id="240" name="Fresh out of the oven, hot and bubbly"/>
+          <p:cNvSpPr txBox="1"/>
           <p:nvPr>
             <p:ph type="body" idx="1"/>
           </p:nvPr>
@@ -5698,7 +5705,7 @@
       </p:sp>
       <p:pic>
         <p:nvPicPr>
-          <p:cNvPr id="241" name="Fresh-Baked-Cookies.jpg"/>
+          <p:cNvPr id="241" name="Fresh-Baked-Cookies.jpg" descr="Fresh-Baked-Cookies.jpg"/>
           <p:cNvPicPr>
             <a:picLocks noChangeAspect="1"/>
           </p:cNvPicPr>
@@ -5753,8 +5760,8 @@
       </p:grpSpPr>
       <p:sp>
         <p:nvSpPr>
-          <p:cNvPr id="243" name="Shape 243"/>
-          <p:cNvSpPr/>
+          <p:cNvPr id="243" name="2.0 Downsides"/>
+          <p:cNvSpPr txBox="1"/>
           <p:nvPr>
             <p:ph type="title"/>
           </p:nvPr>
@@ -5777,8 +5784,8 @@
       </p:sp>
       <p:sp>
         <p:nvSpPr>
-          <p:cNvPr id="244" name="Shape 244"/>
-          <p:cNvSpPr/>
+          <p:cNvPr id="244" name="More complicated…"/>
+          <p:cNvSpPr txBox="1"/>
           <p:nvPr>
             <p:ph type="body" idx="1"/>
           </p:nvPr>
@@ -5854,8 +5861,8 @@
       </p:grpSpPr>
       <p:sp>
         <p:nvSpPr>
-          <p:cNvPr id="246" name="Shape 246"/>
-          <p:cNvSpPr/>
+          <p:cNvPr id="246" name="2.0 Downsides"/>
+          <p:cNvSpPr txBox="1"/>
           <p:nvPr>
             <p:ph type="title"/>
           </p:nvPr>
@@ -5878,8 +5885,8 @@
       </p:sp>
       <p:sp>
         <p:nvSpPr>
-          <p:cNvPr id="247" name="Shape 247"/>
-          <p:cNvSpPr/>
+          <p:cNvPr id="247" name="Web resources have an expiration date…"/>
+          <p:cNvSpPr txBox="1"/>
           <p:nvPr>
             <p:ph type="body" idx="1"/>
           </p:nvPr>
@@ -5967,8 +5974,8 @@
       </p:grpSpPr>
       <p:sp>
         <p:nvSpPr>
-          <p:cNvPr id="249" name="Shape 249"/>
-          <p:cNvSpPr/>
+          <p:cNvPr id="249" name="Lab: Hello World"/>
+          <p:cNvSpPr txBox="1"/>
           <p:nvPr>
             <p:ph type="title"/>
           </p:nvPr>
@@ -5984,15 +5991,15 @@
           <a:p>
             <a:pPr/>
             <a:r>
-              <a:t>Hello World Lab</a:t>
-            </a:r>
-          </a:p>
-        </p:txBody>
-      </p:sp>
-      <p:sp>
-        <p:nvSpPr>
-          <p:cNvPr id="250" name="Shape 250"/>
-          <p:cNvSpPr/>
+              <a:t>Lab: Hello World </a:t>
+            </a:r>
+          </a:p>
+        </p:txBody>
+      </p:sp>
+      <p:sp>
+        <p:nvSpPr>
+          <p:cNvPr id="250" name="course-materials/examples/2.0/01-get-started-nG2-Webpack…"/>
+          <p:cNvSpPr txBox="1"/>
           <p:nvPr>
             <p:ph type="body" idx="1"/>
           </p:nvPr>
@@ -6008,13 +6015,25 @@
           <a:p>
             <a:pPr/>
             <a:r>
-              <a:t>Let’s examine how the Hello World works</a:t>
-            </a:r>
-          </a:p>
-          <a:p>
-            <a:pPr/>
-            <a:r>
-              <a:t>Modifying and extending it as we go</a:t>
+              <a:t>course-materials/examples/2.0/01-get-started-nG2-Webpack</a:t>
+            </a:r>
+          </a:p>
+          <a:p>
+            <a:pPr/>
+            <a:r>
+              <a:t>Create a new directory for our project</a:t>
+            </a:r>
+          </a:p>
+          <a:p>
+            <a:pPr/>
+            <a:r>
+              <a:t>Copy files from above to new directory</a:t>
+            </a:r>
+          </a:p>
+          <a:p>
+            <a:pPr/>
+            <a:r>
+              <a:t>'npm install'</a:t>
             </a:r>
           </a:p>
         </p:txBody>
@@ -6047,8 +6066,8 @@
       </p:grpSpPr>
       <p:sp>
         <p:nvSpPr>
-          <p:cNvPr id="252" name="Shape 252"/>
-          <p:cNvSpPr/>
+          <p:cNvPr id="252" name="TypeScript"/>
+          <p:cNvSpPr txBox="1"/>
           <p:nvPr>
             <p:ph type="title"/>
           </p:nvPr>
@@ -6071,8 +6090,8 @@
       </p:sp>
       <p:sp>
         <p:nvSpPr>
-          <p:cNvPr id="253" name="Shape 253"/>
-          <p:cNvSpPr/>
+          <p:cNvPr id="253" name="An addition to JavaScript…"/>
+          <p:cNvSpPr txBox="1"/>
           <p:nvPr>
             <p:ph type="body" idx="1"/>
           </p:nvPr>
@@ -6139,8 +6158,8 @@
       </p:grpSpPr>
       <p:sp>
         <p:nvSpPr>
-          <p:cNvPr id="255" name="Shape 255"/>
-          <p:cNvSpPr/>
+          <p:cNvPr id="255" name="TypeScript"/>
+          <p:cNvSpPr txBox="1"/>
           <p:nvPr>
             <p:ph type="title"/>
           </p:nvPr>
@@ -6163,8 +6182,8 @@
       </p:sp>
       <p:sp>
         <p:nvSpPr>
-          <p:cNvPr id="256" name="Shape 256"/>
-          <p:cNvSpPr/>
+          <p:cNvPr id="256" name="Why TypeScript?…"/>
+          <p:cNvSpPr txBox="1"/>
           <p:nvPr>
             <p:ph type="body" idx="1"/>
           </p:nvPr>
@@ -6240,8 +6259,8 @@
       </p:grpSpPr>
       <p:sp>
         <p:nvSpPr>
-          <p:cNvPr id="258" name="Shape 258"/>
-          <p:cNvSpPr/>
+          <p:cNvPr id="258" name="TypeScript"/>
+          <p:cNvSpPr txBox="1"/>
           <p:nvPr>
             <p:ph type="title"/>
           </p:nvPr>
@@ -6264,8 +6283,8 @@
       </p:sp>
       <p:sp>
         <p:nvSpPr>
-          <p:cNvPr id="259" name="Shape 259"/>
-          <p:cNvSpPr/>
+          <p:cNvPr id="259" name="JavaScript ecosystem…"/>
+          <p:cNvSpPr txBox="1"/>
           <p:nvPr>
             <p:ph type="body" idx="1"/>
           </p:nvPr>
@@ -6341,8 +6360,8 @@
       </p:grpSpPr>
       <p:sp>
         <p:nvSpPr>
-          <p:cNvPr id="261" name="Shape 261"/>
-          <p:cNvSpPr/>
+          <p:cNvPr id="261" name="TypeScript"/>
+          <p:cNvSpPr txBox="1"/>
           <p:nvPr>
             <p:ph type="title"/>
           </p:nvPr>
@@ -6365,8 +6384,8 @@
       </p:sp>
       <p:sp>
         <p:nvSpPr>
-          <p:cNvPr id="262" name="Shape 262"/>
-          <p:cNvSpPr/>
+          <p:cNvPr id="262" name="JavaScript ecosystem…"/>
+          <p:cNvSpPr txBox="1"/>
           <p:nvPr>
             <p:ph type="body" idx="1"/>
           </p:nvPr>
@@ -6436,8 +6455,8 @@
       </p:grpSpPr>
       <p:sp>
         <p:nvSpPr>
-          <p:cNvPr id="264" name="Shape 264"/>
-          <p:cNvSpPr/>
+          <p:cNvPr id="264" name="TypeScript"/>
+          <p:cNvSpPr txBox="1"/>
           <p:nvPr>
             <p:ph type="title"/>
           </p:nvPr>
@@ -6460,8 +6479,8 @@
       </p:sp>
       <p:sp>
         <p:nvSpPr>
-          <p:cNvPr id="265" name="Shape 265"/>
-          <p:cNvSpPr/>
+          <p:cNvPr id="265" name="Transpiler…"/>
+          <p:cNvSpPr txBox="1"/>
           <p:nvPr>
             <p:ph type="body" idx="1"/>
           </p:nvPr>
@@ -6543,8 +6562,8 @@
       </p:grpSpPr>
       <p:sp>
         <p:nvSpPr>
-          <p:cNvPr id="267" name="Shape 267"/>
-          <p:cNvSpPr/>
+          <p:cNvPr id="267" name="TypeScript"/>
+          <p:cNvSpPr txBox="1"/>
           <p:nvPr>
             <p:ph type="title"/>
           </p:nvPr>
@@ -6567,8 +6586,8 @@
       </p:sp>
       <p:sp>
         <p:nvSpPr>
-          <p:cNvPr id="268" name="Shape 268"/>
-          <p:cNvSpPr/>
+          <p:cNvPr id="268" name="JS Versions: ES3 (1999)…"/>
+          <p:cNvSpPr txBox="1"/>
           <p:nvPr>
             <p:ph type="body" idx="1"/>
           </p:nvPr>
@@ -6644,8 +6663,8 @@
       </p:grpSpPr>
       <p:sp>
         <p:nvSpPr>
-          <p:cNvPr id="125" name="Shape 125"/>
-          <p:cNvSpPr/>
+          <p:cNvPr id="125" name="Introductions"/>
+          <p:cNvSpPr txBox="1"/>
           <p:nvPr>
             <p:ph type="title"/>
           </p:nvPr>
@@ -6668,8 +6687,8 @@
       </p:sp>
       <p:sp>
         <p:nvSpPr>
-          <p:cNvPr id="126" name="Shape 126"/>
-          <p:cNvSpPr/>
+          <p:cNvPr id="126" name="About me…"/>
+          <p:cNvSpPr txBox="1"/>
           <p:nvPr>
             <p:ph type="body" idx="1"/>
           </p:nvPr>
@@ -6742,8 +6761,8 @@
       </p:grpSpPr>
       <p:sp>
         <p:nvSpPr>
-          <p:cNvPr id="270" name="Shape 270"/>
-          <p:cNvSpPr/>
+          <p:cNvPr id="270" name="TypeScript"/>
+          <p:cNvSpPr txBox="1"/>
           <p:nvPr>
             <p:ph type="title"/>
           </p:nvPr>
@@ -6766,8 +6785,8 @@
       </p:sp>
       <p:sp>
         <p:nvSpPr>
-          <p:cNvPr id="271" name="Shape 271"/>
-          <p:cNvSpPr/>
+          <p:cNvPr id="271" name="JS Versions: ES4 era (~2003-9)…"/>
+          <p:cNvSpPr txBox="1"/>
           <p:nvPr>
             <p:ph type="body" idx="1"/>
           </p:nvPr>
@@ -6843,8 +6862,8 @@
       </p:grpSpPr>
       <p:sp>
         <p:nvSpPr>
-          <p:cNvPr id="273" name="Shape 273"/>
-          <p:cNvSpPr/>
+          <p:cNvPr id="273" name="TypeScript"/>
+          <p:cNvSpPr txBox="1"/>
           <p:nvPr>
             <p:ph type="title"/>
           </p:nvPr>
@@ -6867,8 +6886,8 @@
       </p:sp>
       <p:sp>
         <p:nvSpPr>
-          <p:cNvPr id="274" name="Shape 274"/>
-          <p:cNvSpPr/>
+          <p:cNvPr id="274" name="JS Versions: ES5 (2009)…"/>
+          <p:cNvSpPr txBox="1"/>
           <p:nvPr>
             <p:ph type="body" idx="1"/>
           </p:nvPr>
@@ -6944,8 +6963,8 @@
       </p:grpSpPr>
       <p:sp>
         <p:nvSpPr>
-          <p:cNvPr id="276" name="Shape 276"/>
-          <p:cNvSpPr/>
+          <p:cNvPr id="276" name="TypeScript"/>
+          <p:cNvSpPr txBox="1"/>
           <p:nvPr>
             <p:ph type="title"/>
           </p:nvPr>
@@ -6968,8 +6987,8 @@
       </p:sp>
       <p:sp>
         <p:nvSpPr>
-          <p:cNvPr id="277" name="Shape 277"/>
-          <p:cNvSpPr/>
+          <p:cNvPr id="277" name="JS Versions: ES6 (2015)…"/>
+          <p:cNvSpPr txBox="1"/>
           <p:nvPr>
             <p:ph type="body" idx="1"/>
           </p:nvPr>
@@ -7051,8 +7070,8 @@
       </p:grpSpPr>
       <p:sp>
         <p:nvSpPr>
-          <p:cNvPr id="279" name="Shape 279"/>
-          <p:cNvSpPr/>
+          <p:cNvPr id="279" name="TypeScript"/>
+          <p:cNvSpPr txBox="1"/>
           <p:nvPr>
             <p:ph type="title"/>
           </p:nvPr>
@@ -7075,8 +7094,8 @@
       </p:sp>
       <p:sp>
         <p:nvSpPr>
-          <p:cNvPr id="280" name="Shape 280"/>
-          <p:cNvSpPr/>
+          <p:cNvPr id="280" name="JS Versions: ES6 (2015)…"/>
+          <p:cNvSpPr txBox="1"/>
           <p:nvPr>
             <p:ph type="body" idx="1"/>
           </p:nvPr>
@@ -7152,8 +7171,8 @@
       </p:grpSpPr>
       <p:sp>
         <p:nvSpPr>
-          <p:cNvPr id="282" name="Shape 282"/>
-          <p:cNvSpPr/>
+          <p:cNvPr id="282" name="TypeScript"/>
+          <p:cNvSpPr txBox="1"/>
           <p:nvPr>
             <p:ph type="title"/>
           </p:nvPr>
@@ -7176,8 +7195,8 @@
       </p:sp>
       <p:sp>
         <p:nvSpPr>
-          <p:cNvPr id="283" name="Shape 283"/>
-          <p:cNvSpPr/>
+          <p:cNvPr id="283" name="JS Versions: ES6 alternate names…"/>
+          <p:cNvSpPr txBox="1"/>
           <p:nvPr>
             <p:ph type="body" idx="1"/>
           </p:nvPr>
@@ -7259,8 +7278,8 @@
       </p:grpSpPr>
       <p:sp>
         <p:nvSpPr>
-          <p:cNvPr id="285" name="Shape 285"/>
-          <p:cNvSpPr/>
+          <p:cNvPr id="285" name="TypeScript"/>
+          <p:cNvSpPr txBox="1"/>
           <p:nvPr>
             <p:ph type="title"/>
           </p:nvPr>
@@ -7283,8 +7302,8 @@
       </p:sp>
       <p:sp>
         <p:nvSpPr>
-          <p:cNvPr id="286" name="Shape 286"/>
-          <p:cNvSpPr/>
+          <p:cNvPr id="286" name="JS Versions: ES2016…"/>
+          <p:cNvSpPr txBox="1"/>
           <p:nvPr>
             <p:ph type="body" idx="1"/>
           </p:nvPr>
@@ -7366,8 +7385,8 @@
       </p:grpSpPr>
       <p:sp>
         <p:nvSpPr>
-          <p:cNvPr id="288" name="Shape 288"/>
-          <p:cNvSpPr/>
+          <p:cNvPr id="288" name="TypeScript"/>
+          <p:cNvSpPr txBox="1"/>
           <p:nvPr>
             <p:ph type="title"/>
           </p:nvPr>
@@ -7390,8 +7409,8 @@
       </p:sp>
       <p:sp>
         <p:nvSpPr>
-          <p:cNvPr id="289" name="Shape 289"/>
-          <p:cNvSpPr/>
+          <p:cNvPr id="289" name="TypeScript…"/>
+          <p:cNvSpPr txBox="1"/>
           <p:nvPr>
             <p:ph type="body" idx="1"/>
           </p:nvPr>
@@ -7441,8 +7460,8 @@
       </p:sp>
       <p:sp>
         <p:nvSpPr>
-          <p:cNvPr id="290" name="Shape 290"/>
-          <p:cNvSpPr/>
+          <p:cNvPr id="290" name="Rectangle"/>
+          <p:cNvSpPr txBox="1"/>
           <p:nvPr/>
         </p:nvSpPr>
         <p:spPr>
@@ -7497,8 +7516,8 @@
       </p:grpSpPr>
       <p:sp>
         <p:nvSpPr>
-          <p:cNvPr id="292" name="Shape 292"/>
-          <p:cNvSpPr/>
+          <p:cNvPr id="292" name="TypeScript"/>
+          <p:cNvSpPr txBox="1"/>
           <p:nvPr>
             <p:ph type="title"/>
           </p:nvPr>
@@ -7521,8 +7540,8 @@
       </p:sp>
       <p:sp>
         <p:nvSpPr>
-          <p:cNvPr id="293" name="Shape 293"/>
-          <p:cNvSpPr/>
+          <p:cNvPr id="293" name="TypeScript type syntax…"/>
+          <p:cNvSpPr txBox="1"/>
           <p:nvPr>
             <p:ph type="body" idx="1"/>
           </p:nvPr>
@@ -7566,8 +7585,8 @@
       </p:sp>
       <p:sp>
         <p:nvSpPr>
-          <p:cNvPr id="294" name="Shape 294"/>
-          <p:cNvSpPr/>
+          <p:cNvPr id="294" name="Rectangle"/>
+          <p:cNvSpPr txBox="1"/>
           <p:nvPr/>
         </p:nvSpPr>
         <p:spPr>
@@ -7622,8 +7641,8 @@
       </p:grpSpPr>
       <p:sp>
         <p:nvSpPr>
-          <p:cNvPr id="296" name="Shape 296"/>
-          <p:cNvSpPr/>
+          <p:cNvPr id="296" name="TypeScript"/>
+          <p:cNvSpPr txBox="1"/>
           <p:nvPr>
             <p:ph type="title"/>
           </p:nvPr>
@@ -7646,8 +7665,8 @@
       </p:sp>
       <p:sp>
         <p:nvSpPr>
-          <p:cNvPr id="297" name="Shape 297"/>
-          <p:cNvSpPr/>
+          <p:cNvPr id="297" name="export class Song {…"/>
+          <p:cNvSpPr txBox="1"/>
           <p:nvPr>
             <p:ph type="body" idx="1"/>
           </p:nvPr>
@@ -7742,8 +7761,8 @@
       </p:sp>
       <p:sp>
         <p:nvSpPr>
-          <p:cNvPr id="298" name="Shape 298"/>
-          <p:cNvSpPr/>
+          <p:cNvPr id="298" name="Rectangle"/>
+          <p:cNvSpPr txBox="1"/>
           <p:nvPr/>
         </p:nvSpPr>
         <p:spPr>
@@ -7798,8 +7817,8 @@
       </p:grpSpPr>
       <p:sp>
         <p:nvSpPr>
-          <p:cNvPr id="300" name="Shape 300"/>
-          <p:cNvSpPr/>
+          <p:cNvPr id="300" name="TypeScript"/>
+          <p:cNvSpPr txBox="1"/>
           <p:nvPr>
             <p:ph type="title"/>
           </p:nvPr>
@@ -7822,8 +7841,8 @@
       </p:sp>
       <p:sp>
         <p:nvSpPr>
-          <p:cNvPr id="301" name="Shape 301"/>
-          <p:cNvSpPr/>
+          <p:cNvPr id="301" name="Function typing…"/>
+          <p:cNvSpPr txBox="1"/>
           <p:nvPr>
             <p:ph type="body" idx="1"/>
           </p:nvPr>
@@ -7911,8 +7930,8 @@
       </p:grpSpPr>
       <p:sp>
         <p:nvSpPr>
-          <p:cNvPr id="128" name="Shape 128"/>
-          <p:cNvSpPr/>
+          <p:cNvPr id="128" name="Course Overview"/>
+          <p:cNvSpPr txBox="1"/>
           <p:nvPr>
             <p:ph type="title"/>
           </p:nvPr>
@@ -7935,8 +7954,8 @@
       </p:sp>
       <p:sp>
         <p:nvSpPr>
-          <p:cNvPr id="129" name="Shape 129"/>
-          <p:cNvSpPr/>
+          <p:cNvPr id="129" name="Day 1…"/>
+          <p:cNvSpPr txBox="1"/>
           <p:nvPr>
             <p:ph type="body" idx="1"/>
           </p:nvPr>
@@ -8015,8 +8034,8 @@
       </p:grpSpPr>
       <p:sp>
         <p:nvSpPr>
-          <p:cNvPr id="303" name="Shape 303"/>
-          <p:cNvSpPr/>
+          <p:cNvPr id="303" name="TypeScript"/>
+          <p:cNvSpPr txBox="1"/>
           <p:nvPr>
             <p:ph type="title"/>
           </p:nvPr>
@@ -8039,8 +8058,8 @@
       </p:sp>
       <p:sp>
         <p:nvSpPr>
-          <p:cNvPr id="304" name="Shape 304"/>
-          <p:cNvSpPr/>
+          <p:cNvPr id="304" name="Optional values…"/>
+          <p:cNvSpPr txBox="1"/>
           <p:nvPr>
             <p:ph type="body" idx="1"/>
           </p:nvPr>
@@ -8128,8 +8147,8 @@
       </p:grpSpPr>
       <p:sp>
         <p:nvSpPr>
-          <p:cNvPr id="306" name="Shape 306"/>
-          <p:cNvSpPr/>
+          <p:cNvPr id="306" name="TypeScript"/>
+          <p:cNvSpPr txBox="1"/>
           <p:nvPr>
             <p:ph type="title"/>
           </p:nvPr>
@@ -8152,8 +8171,8 @@
       </p:sp>
       <p:sp>
         <p:nvSpPr>
-          <p:cNvPr id="307" name="Shape 307"/>
-          <p:cNvSpPr/>
+          <p:cNvPr id="307" name="Type variables…"/>
+          <p:cNvSpPr txBox="1"/>
           <p:nvPr>
             <p:ph type="body" idx="1"/>
           </p:nvPr>
@@ -8250,8 +8269,8 @@
       </p:grpSpPr>
       <p:sp>
         <p:nvSpPr>
-          <p:cNvPr id="309" name="Shape 309"/>
-          <p:cNvSpPr/>
+          <p:cNvPr id="309" name="TypeScript Lab"/>
+          <p:cNvSpPr txBox="1"/>
           <p:nvPr>
             <p:ph type="title"/>
           </p:nvPr>
@@ -8274,8 +8293,8 @@
       </p:sp>
       <p:sp>
         <p:nvSpPr>
-          <p:cNvPr id="310" name="Shape 310"/>
-          <p:cNvSpPr/>
+          <p:cNvPr id="310" name="Examine examples (02-some-typescript-types)…"/>
+          <p:cNvSpPr txBox="1"/>
           <p:nvPr>
             <p:ph type="body" idx="1"/>
           </p:nvPr>
@@ -8342,8 +8361,8 @@
       </p:grpSpPr>
       <p:sp>
         <p:nvSpPr>
-          <p:cNvPr id="312" name="Shape 312"/>
-          <p:cNvSpPr/>
+          <p:cNvPr id="312" name="More TypeScript"/>
+          <p:cNvSpPr txBox="1"/>
           <p:nvPr>
             <p:ph type="title"/>
           </p:nvPr>
@@ -8366,8 +8385,8 @@
       </p:sp>
       <p:sp>
         <p:nvSpPr>
-          <p:cNvPr id="313" name="Shape 313"/>
-          <p:cNvSpPr/>
+          <p:cNvPr id="313" name="Function typing (return value)…"/>
+          <p:cNvSpPr txBox="1"/>
           <p:nvPr>
             <p:ph type="body" idx="1"/>
           </p:nvPr>
@@ -8446,8 +8465,8 @@
       </p:grpSpPr>
       <p:sp>
         <p:nvSpPr>
-          <p:cNvPr id="315" name="Shape 315"/>
-          <p:cNvSpPr/>
+          <p:cNvPr id="315" name="ES6 features"/>
+          <p:cNvSpPr txBox="1"/>
           <p:nvPr>
             <p:ph type="title"/>
           </p:nvPr>
@@ -8470,8 +8489,8 @@
       </p:sp>
       <p:sp>
         <p:nvSpPr>
-          <p:cNvPr id="316" name="Shape 316"/>
-          <p:cNvSpPr/>
+          <p:cNvPr id="316" name="'let': declare block-scoped variable…"/>
+          <p:cNvSpPr txBox="1"/>
           <p:nvPr>
             <p:ph type="body" idx="1"/>
           </p:nvPr>
@@ -8550,8 +8569,8 @@
       </p:grpSpPr>
       <p:sp>
         <p:nvSpPr>
-          <p:cNvPr id="131" name="Shape 131"/>
-          <p:cNvSpPr/>
+          <p:cNvPr id="131" name="Course Overview"/>
+          <p:cNvSpPr txBox="1"/>
           <p:nvPr>
             <p:ph type="title"/>
           </p:nvPr>
@@ -8574,8 +8593,8 @@
       </p:sp>
       <p:sp>
         <p:nvSpPr>
-          <p:cNvPr id="132" name="Shape 132"/>
-          <p:cNvSpPr/>
+          <p:cNvPr id="132" name="Day 3…"/>
+          <p:cNvSpPr txBox="1"/>
           <p:nvPr>
             <p:ph type="body" idx="1"/>
           </p:nvPr>
@@ -8654,8 +8673,8 @@
       </p:grpSpPr>
       <p:sp>
         <p:nvSpPr>
-          <p:cNvPr id="134" name="Shape 134"/>
-          <p:cNvSpPr/>
+          <p:cNvPr id="134" name="Static page (Web 1.0)"/>
+          <p:cNvSpPr txBox="1"/>
           <p:nvPr>
             <p:ph type="title"/>
           </p:nvPr>
@@ -8678,7 +8697,7 @@
       </p:sp>
       <p:sp>
         <p:nvSpPr>
-          <p:cNvPr id="135" name="Shape 135"/>
+          <p:cNvPr id="135" name="Server"/>
           <p:cNvSpPr/>
           <p:nvPr/>
         </p:nvSpPr>
@@ -8727,7 +8746,7 @@
       </p:sp>
       <p:sp>
         <p:nvSpPr>
-          <p:cNvPr id="136" name="Shape 136"/>
+          <p:cNvPr id="136" name="Client"/>
           <p:cNvSpPr/>
           <p:nvPr/>
         </p:nvSpPr>
@@ -8772,7 +8791,7 @@
       </p:sp>
       <p:cxnSp>
         <p:nvCxnSpPr>
-          <p:cNvPr id="137" name="Connector 137"/>
+          <p:cNvPr id="137" name="Connection Line"/>
           <p:cNvCxnSpPr>
             <a:stCxn id="135" idx="0"/>
             <a:endCxn id="136" idx="0"/>
@@ -8798,8 +8817,8 @@
       </p:cxnSp>
       <p:sp>
         <p:nvSpPr>
-          <p:cNvPr id="138" name="Shape 138"/>
-          <p:cNvSpPr/>
+          <p:cNvPr id="138" name="Client makes HTTP GET request to server…"/>
+          <p:cNvSpPr txBox="1"/>
           <p:nvPr/>
         </p:nvSpPr>
         <p:spPr>
@@ -8888,7 +8907,7 @@
       </p:sp>
       <p:cxnSp>
         <p:nvCxnSpPr>
-          <p:cNvPr id="139" name="Connector 139"/>
+          <p:cNvPr id="139" name="Connection Line"/>
           <p:cNvCxnSpPr>
             <a:stCxn id="136" idx="0"/>
             <a:endCxn id="135" idx="0"/>
@@ -8914,7 +8933,7 @@
       </p:cxnSp>
       <p:sp>
         <p:nvSpPr>
-          <p:cNvPr id="140" name="Shape 140"/>
+          <p:cNvPr id="140" name="User"/>
           <p:cNvSpPr/>
           <p:nvPr/>
         </p:nvSpPr>
@@ -8959,7 +8978,7 @@
       </p:sp>
       <p:sp>
         <p:nvSpPr>
-          <p:cNvPr id="141" name="Shape 141"/>
+          <p:cNvPr id="141" name="Line"/>
           <p:cNvSpPr/>
           <p:nvPr/>
         </p:nvSpPr>
@@ -8991,7 +9010,7 @@
       </p:sp>
       <p:sp>
         <p:nvSpPr>
-          <p:cNvPr id="142" name="Shape 142"/>
+          <p:cNvPr id="142" name="Line"/>
           <p:cNvSpPr/>
           <p:nvPr/>
         </p:nvSpPr>
@@ -9023,8 +9042,8 @@
       </p:sp>
       <p:sp>
         <p:nvSpPr>
-          <p:cNvPr id="143" name="Shape 143"/>
-          <p:cNvSpPr/>
+          <p:cNvPr id="143" name="1,5"/>
+          <p:cNvSpPr txBox="1"/>
           <p:nvPr/>
         </p:nvSpPr>
         <p:spPr>
@@ -9059,8 +9078,8 @@
       </p:sp>
       <p:sp>
         <p:nvSpPr>
-          <p:cNvPr id="144" name="Shape 144"/>
-          <p:cNvSpPr/>
+          <p:cNvPr id="144" name="2,6"/>
+          <p:cNvSpPr txBox="1"/>
           <p:nvPr/>
         </p:nvSpPr>
         <p:spPr>
@@ -9095,8 +9114,8 @@
       </p:sp>
       <p:sp>
         <p:nvSpPr>
-          <p:cNvPr id="145" name="Shape 145"/>
-          <p:cNvSpPr/>
+          <p:cNvPr id="145" name="3"/>
+          <p:cNvSpPr txBox="1"/>
           <p:nvPr/>
         </p:nvSpPr>
         <p:spPr>
@@ -9131,8 +9150,8 @@
       </p:sp>
       <p:sp>
         <p:nvSpPr>
-          <p:cNvPr id="146" name="Shape 146"/>
-          <p:cNvSpPr/>
+          <p:cNvPr id="146" name="4"/>
+          <p:cNvSpPr txBox="1"/>
           <p:nvPr/>
         </p:nvSpPr>
         <p:spPr>
@@ -9193,8 +9212,8 @@
       </p:grpSpPr>
       <p:sp>
         <p:nvSpPr>
-          <p:cNvPr id="148" name="Shape 148"/>
-          <p:cNvSpPr/>
+          <p:cNvPr id="148" name="Single Page App (SPA)"/>
+          <p:cNvSpPr txBox="1"/>
           <p:nvPr>
             <p:ph type="title"/>
           </p:nvPr>
@@ -9217,7 +9236,7 @@
       </p:sp>
       <p:sp>
         <p:nvSpPr>
-          <p:cNvPr id="149" name="Shape 149"/>
+          <p:cNvPr id="149" name="Server"/>
           <p:cNvSpPr/>
           <p:nvPr/>
         </p:nvSpPr>
@@ -9266,7 +9285,7 @@
       </p:sp>
       <p:sp>
         <p:nvSpPr>
-          <p:cNvPr id="150" name="Shape 150"/>
+          <p:cNvPr id="150" name="Client"/>
           <p:cNvSpPr/>
           <p:nvPr/>
         </p:nvSpPr>
@@ -9311,7 +9330,7 @@
       </p:sp>
       <p:cxnSp>
         <p:nvCxnSpPr>
-          <p:cNvPr id="151" name="Connector 151"/>
+          <p:cNvPr id="151" name="Connection Line"/>
           <p:cNvCxnSpPr>
             <a:stCxn id="149" idx="0"/>
             <a:endCxn id="150" idx="0"/>
@@ -9337,8 +9356,8 @@
       </p:cxnSp>
       <p:sp>
         <p:nvSpPr>
-          <p:cNvPr id="152" name="Shape 152"/>
-          <p:cNvSpPr/>
+          <p:cNvPr id="152" name="Client makes HTTP GET request to server…"/>
+          <p:cNvSpPr txBox="1"/>
           <p:nvPr/>
         </p:nvSpPr>
         <p:spPr>
@@ -9427,7 +9446,7 @@
       </p:sp>
       <p:cxnSp>
         <p:nvCxnSpPr>
-          <p:cNvPr id="153" name="Connector 153"/>
+          <p:cNvPr id="153" name="Connection Line"/>
           <p:cNvCxnSpPr>
             <a:stCxn id="150" idx="0"/>
             <a:endCxn id="149" idx="0"/>
@@ -9453,7 +9472,7 @@
       </p:cxnSp>
       <p:sp>
         <p:nvSpPr>
-          <p:cNvPr id="154" name="Shape 154"/>
+          <p:cNvPr id="154" name="User"/>
           <p:cNvSpPr/>
           <p:nvPr/>
         </p:nvSpPr>
@@ -9498,7 +9517,7 @@
       </p:sp>
       <p:sp>
         <p:nvSpPr>
-          <p:cNvPr id="155" name="Shape 155"/>
+          <p:cNvPr id="155" name="Line"/>
           <p:cNvSpPr/>
           <p:nvPr/>
         </p:nvSpPr>
@@ -9530,7 +9549,7 @@
       </p:sp>
       <p:sp>
         <p:nvSpPr>
-          <p:cNvPr id="156" name="Shape 156"/>
+          <p:cNvPr id="156" name="Line"/>
           <p:cNvSpPr/>
           <p:nvPr/>
         </p:nvSpPr>
@@ -9562,8 +9581,8 @@
       </p:sp>
       <p:sp>
         <p:nvSpPr>
-          <p:cNvPr id="157" name="Shape 157"/>
-          <p:cNvSpPr/>
+          <p:cNvPr id="157" name="1"/>
+          <p:cNvSpPr txBox="1"/>
           <p:nvPr/>
         </p:nvSpPr>
         <p:spPr>
@@ -9598,8 +9617,8 @@
       </p:sp>
       <p:sp>
         <p:nvSpPr>
-          <p:cNvPr id="158" name="Shape 158"/>
-          <p:cNvSpPr/>
+          <p:cNvPr id="158" name="2"/>
+          <p:cNvSpPr txBox="1"/>
           <p:nvPr/>
         </p:nvSpPr>
         <p:spPr>
@@ -9634,8 +9653,8 @@
       </p:sp>
       <p:sp>
         <p:nvSpPr>
-          <p:cNvPr id="159" name="Shape 159"/>
-          <p:cNvSpPr/>
+          <p:cNvPr id="159" name="3"/>
+          <p:cNvSpPr txBox="1"/>
           <p:nvPr/>
         </p:nvSpPr>
         <p:spPr>
@@ -9670,8 +9689,8 @@
       </p:sp>
       <p:sp>
         <p:nvSpPr>
-          <p:cNvPr id="160" name="Shape 160"/>
-          <p:cNvSpPr/>
+          <p:cNvPr id="160" name="4"/>
+          <p:cNvSpPr txBox="1"/>
           <p:nvPr/>
         </p:nvSpPr>
         <p:spPr>
@@ -9706,7 +9725,7 @@
       </p:sp>
       <p:sp>
         <p:nvSpPr>
-          <p:cNvPr id="161" name="Shape 161"/>
+          <p:cNvPr id="161" name="REST API"/>
           <p:cNvSpPr/>
           <p:nvPr/>
         </p:nvSpPr>
@@ -9755,7 +9774,7 @@
       </p:sp>
       <p:sp>
         <p:nvSpPr>
-          <p:cNvPr id="162" name="Shape 162"/>
+          <p:cNvPr id="162" name="Local…"/>
           <p:cNvSpPr/>
           <p:nvPr/>
         </p:nvSpPr>
@@ -9810,7 +9829,7 @@
       </p:sp>
       <p:sp>
         <p:nvSpPr>
-          <p:cNvPr id="163" name="Shape 163"/>
+          <p:cNvPr id="163" name="More"/>
           <p:cNvSpPr/>
           <p:nvPr/>
         </p:nvSpPr>
@@ -9859,7 +9878,7 @@
       </p:sp>
       <p:sp>
         <p:nvSpPr>
-          <p:cNvPr id="164" name="Shape 164"/>
+          <p:cNvPr id="164" name="Line"/>
           <p:cNvSpPr/>
           <p:nvPr/>
         </p:nvSpPr>
@@ -9892,7 +9911,7 @@
       </p:sp>
       <p:sp>
         <p:nvSpPr>
-          <p:cNvPr id="165" name="Shape 165"/>
+          <p:cNvPr id="165" name="Line"/>
           <p:cNvSpPr/>
           <p:nvPr/>
         </p:nvSpPr>
@@ -9925,7 +9944,7 @@
       </p:sp>
       <p:sp>
         <p:nvSpPr>
-          <p:cNvPr id="166" name="Shape 166"/>
+          <p:cNvPr id="166" name="Line"/>
           <p:cNvSpPr/>
           <p:nvPr/>
         </p:nvSpPr>
@@ -9958,8 +9977,8 @@
       </p:sp>
       <p:sp>
         <p:nvSpPr>
-          <p:cNvPr id="167" name="Shape 167"/>
-          <p:cNvSpPr/>
+          <p:cNvPr id="167" name="1"/>
+          <p:cNvSpPr txBox="1"/>
           <p:nvPr/>
         </p:nvSpPr>
         <p:spPr>
@@ -9994,8 +10013,8 @@
       </p:sp>
       <p:sp>
         <p:nvSpPr>
-          <p:cNvPr id="168" name="Shape 168"/>
-          <p:cNvSpPr/>
+          <p:cNvPr id="168" name="5"/>
+          <p:cNvSpPr txBox="1"/>
           <p:nvPr/>
         </p:nvSpPr>
         <p:spPr>
@@ -10056,8 +10075,8 @@
       </p:grpSpPr>
       <p:sp>
         <p:nvSpPr>
-          <p:cNvPr id="170" name="Shape 170"/>
-          <p:cNvSpPr/>
+          <p:cNvPr id="170" name="SPA Challenges"/>
+          <p:cNvSpPr txBox="1"/>
           <p:nvPr>
             <p:ph type="title"/>
           </p:nvPr>
@@ -10080,8 +10099,8 @@
       </p:sp>
       <p:sp>
         <p:nvSpPr>
-          <p:cNvPr id="171" name="Shape 171"/>
-          <p:cNvSpPr/>
+          <p:cNvPr id="171" name="Single Page Apps face unique challenges…"/>
+          <p:cNvSpPr txBox="1"/>
           <p:nvPr>
             <p:ph type="body" idx="1"/>
           </p:nvPr>
@@ -10157,8 +10176,8 @@
       </p:grpSpPr>
       <p:sp>
         <p:nvSpPr>
-          <p:cNvPr id="173" name="Shape 173"/>
-          <p:cNvSpPr/>
+          <p:cNvPr id="173" name="SPA Challenges"/>
+          <p:cNvSpPr txBox="1"/>
           <p:nvPr>
             <p:ph type="title"/>
           </p:nvPr>
@@ -10181,8 +10200,8 @@
       </p:sp>
       <p:sp>
         <p:nvSpPr>
-          <p:cNvPr id="174" name="Shape 174"/>
-          <p:cNvSpPr/>
+          <p:cNvPr id="174" name="State…"/>
+          <p:cNvSpPr txBox="1"/>
           <p:nvPr>
             <p:ph type="body" idx="1"/>
           </p:nvPr>
